--- a/docs/damkalan- Εργασια ΝΒΑ api.pptx
+++ b/docs/damkalan- Εργασια ΝΒΑ api.pptx
@@ -9,8 +9,6 @@
     <p:sldId id="260" r:id="rId3"/>
     <p:sldId id="261" r:id="rId4"/>
     <p:sldId id="257" r:id="rId5"/>
-    <p:sldId id="258" r:id="rId6"/>
-    <p:sldId id="259" r:id="rId7"/>
   </p:sldIdLst>
   <p:sldSz cx="12192000" cy="6858000"/>
   <p:notesSz cx="6858000" cy="9144000"/>
@@ -109,6 +107,11 @@
       </a:defRPr>
     </a:lvl9pPr>
   </p:defaultTextStyle>
+  <p:extLst>
+    <p:ext uri="{EFAFB233-063F-42B5-8137-9DF3F51BA10A}">
+      <p15:sldGuideLst xmlns:p15="http://schemas.microsoft.com/office/powerpoint/2012/main"/>
+    </p:ext>
+  </p:extLst>
 </p:presentation>
 </file>
 
@@ -162,7 +165,7 @@
           <a:noFill/>
           <a:extLst>
             <a:ext uri="{909E8E84-426E-40dd-AFC4-6F175D3DCCD1}">
-              <a14:hiddenFill xmlns:a14="http://schemas.microsoft.com/office/drawing/2010/main" xmlns="">
+              <a14:hiddenFill xmlns="" xmlns:a14="http://schemas.microsoft.com/office/drawing/2010/main">
                 <a:solidFill>
                   <a:srgbClr val="FFFFFF"/>
                 </a:solidFill>
@@ -222,7 +225,7 @@
             </a:ln>
             <a:extLst>
               <a:ext uri="{91240B29-F687-4f45-9708-019B960494DF}">
-                <a14:hiddenLine xmlns:a14="http://schemas.microsoft.com/office/drawing/2010/main" xmlns="" w="9525">
+                <a14:hiddenLine xmlns="" xmlns:a14="http://schemas.microsoft.com/office/drawing/2010/main" w="9525">
                   <a:solidFill>
                     <a:srgbClr val="000000"/>
                   </a:solidFill>
@@ -312,7 +315,7 @@
             </a:ln>
             <a:extLst>
               <a:ext uri="{91240B29-F687-4f45-9708-019B960494DF}">
-                <a14:hiddenLine xmlns:a14="http://schemas.microsoft.com/office/drawing/2010/main" xmlns="" w="9525">
+                <a14:hiddenLine xmlns="" xmlns:a14="http://schemas.microsoft.com/office/drawing/2010/main" w="9525">
                   <a:solidFill>
                     <a:srgbClr val="000000"/>
                   </a:solidFill>
@@ -402,7 +405,7 @@
             </a:ln>
             <a:extLst>
               <a:ext uri="{91240B29-F687-4f45-9708-019B960494DF}">
-                <a14:hiddenLine xmlns:a14="http://schemas.microsoft.com/office/drawing/2010/main" xmlns="" w="9525">
+                <a14:hiddenLine xmlns="" xmlns:a14="http://schemas.microsoft.com/office/drawing/2010/main" w="9525">
                   <a:solidFill>
                     <a:srgbClr val="000000"/>
                   </a:solidFill>
@@ -436,7 +439,7 @@
             </a:ln>
             <a:extLst>
               <a:ext uri="{91240B29-F687-4f45-9708-019B960494DF}">
-                <a14:hiddenLine xmlns:a14="http://schemas.microsoft.com/office/drawing/2010/main" xmlns="" w="9525">
+                <a14:hiddenLine xmlns="" xmlns:a14="http://schemas.microsoft.com/office/drawing/2010/main" w="9525">
                   <a:solidFill>
                     <a:srgbClr val="000000"/>
                   </a:solidFill>
@@ -526,7 +529,7 @@
             </a:ln>
             <a:extLst>
               <a:ext uri="{91240B29-F687-4f45-9708-019B960494DF}">
-                <a14:hiddenLine xmlns:a14="http://schemas.microsoft.com/office/drawing/2010/main" xmlns="" w="9525">
+                <a14:hiddenLine xmlns="" xmlns:a14="http://schemas.microsoft.com/office/drawing/2010/main" w="9525">
                   <a:solidFill>
                     <a:srgbClr val="000000"/>
                   </a:solidFill>
@@ -588,7 +591,7 @@
             </a:ln>
             <a:extLst>
               <a:ext uri="{91240B29-F687-4f45-9708-019B960494DF}">
-                <a14:hiddenLine xmlns:a14="http://schemas.microsoft.com/office/drawing/2010/main" xmlns="" w="9525">
+                <a14:hiddenLine xmlns="" xmlns:a14="http://schemas.microsoft.com/office/drawing/2010/main" w="9525">
                   <a:solidFill>
                     <a:srgbClr val="000000"/>
                   </a:solidFill>
@@ -650,7 +653,7 @@
             </a:ln>
             <a:extLst>
               <a:ext uri="{91240B29-F687-4f45-9708-019B960494DF}">
-                <a14:hiddenLine xmlns:a14="http://schemas.microsoft.com/office/drawing/2010/main" xmlns="" w="9525">
+                <a14:hiddenLine xmlns="" xmlns:a14="http://schemas.microsoft.com/office/drawing/2010/main" w="9525">
                   <a:solidFill>
                     <a:srgbClr val="000000"/>
                   </a:solidFill>
@@ -740,7 +743,7 @@
             </a:ln>
             <a:extLst>
               <a:ext uri="{91240B29-F687-4f45-9708-019B960494DF}">
-                <a14:hiddenLine xmlns:a14="http://schemas.microsoft.com/office/drawing/2010/main" xmlns="" w="9525">
+                <a14:hiddenLine xmlns="" xmlns:a14="http://schemas.microsoft.com/office/drawing/2010/main" w="9525">
                   <a:solidFill>
                     <a:srgbClr val="000000"/>
                   </a:solidFill>
@@ -802,7 +805,7 @@
             </a:ln>
             <a:extLst>
               <a:ext uri="{91240B29-F687-4f45-9708-019B960494DF}">
-                <a14:hiddenLine xmlns:a14="http://schemas.microsoft.com/office/drawing/2010/main" xmlns="" w="9525">
+                <a14:hiddenLine xmlns="" xmlns:a14="http://schemas.microsoft.com/office/drawing/2010/main" w="9525">
                   <a:solidFill>
                     <a:srgbClr val="000000"/>
                   </a:solidFill>
@@ -864,7 +867,7 @@
             </a:ln>
             <a:extLst>
               <a:ext uri="{91240B29-F687-4f45-9708-019B960494DF}">
-                <a14:hiddenLine xmlns:a14="http://schemas.microsoft.com/office/drawing/2010/main" xmlns="" w="9525">
+                <a14:hiddenLine xmlns="" xmlns:a14="http://schemas.microsoft.com/office/drawing/2010/main" w="9525">
                   <a:solidFill>
                     <a:srgbClr val="000000"/>
                   </a:solidFill>
@@ -954,7 +957,7 @@
             </a:ln>
             <a:extLst>
               <a:ext uri="{91240B29-F687-4f45-9708-019B960494DF}">
-                <a14:hiddenLine xmlns:a14="http://schemas.microsoft.com/office/drawing/2010/main" xmlns="" w="9525">
+                <a14:hiddenLine xmlns="" xmlns:a14="http://schemas.microsoft.com/office/drawing/2010/main" w="9525">
                   <a:solidFill>
                     <a:srgbClr val="000000"/>
                   </a:solidFill>
@@ -1044,7 +1047,7 @@
             </a:ln>
             <a:extLst>
               <a:ext uri="{91240B29-F687-4f45-9708-019B960494DF}">
-                <a14:hiddenLine xmlns:a14="http://schemas.microsoft.com/office/drawing/2010/main" xmlns="" w="9525">
+                <a14:hiddenLine xmlns="" xmlns:a14="http://schemas.microsoft.com/office/drawing/2010/main" w="9525">
                   <a:solidFill>
                     <a:srgbClr val="000000"/>
                   </a:solidFill>
@@ -1106,7 +1109,7 @@
             </a:ln>
             <a:extLst>
               <a:ext uri="{91240B29-F687-4f45-9708-019B960494DF}">
-                <a14:hiddenLine xmlns:a14="http://schemas.microsoft.com/office/drawing/2010/main" xmlns="" w="9525">
+                <a14:hiddenLine xmlns="" xmlns:a14="http://schemas.microsoft.com/office/drawing/2010/main" w="9525">
                   <a:solidFill>
                     <a:srgbClr val="000000"/>
                   </a:solidFill>
@@ -1216,7 +1219,7 @@
             </a:ln>
             <a:extLst>
               <a:ext uri="{91240B29-F687-4f45-9708-019B960494DF}">
-                <a14:hiddenLine xmlns:a14="http://schemas.microsoft.com/office/drawing/2010/main" xmlns="" w="9525">
+                <a14:hiddenLine xmlns="" xmlns:a14="http://schemas.microsoft.com/office/drawing/2010/main" w="9525">
                   <a:solidFill>
                     <a:srgbClr val="000000"/>
                   </a:solidFill>
@@ -1278,7 +1281,7 @@
             </a:ln>
             <a:extLst>
               <a:ext uri="{91240B29-F687-4f45-9708-019B960494DF}">
-                <a14:hiddenLine xmlns:a14="http://schemas.microsoft.com/office/drawing/2010/main" xmlns="" w="9525">
+                <a14:hiddenLine xmlns="" xmlns:a14="http://schemas.microsoft.com/office/drawing/2010/main" w="9525">
                   <a:solidFill>
                     <a:srgbClr val="000000"/>
                   </a:solidFill>
@@ -1368,7 +1371,7 @@
             </a:ln>
             <a:extLst>
               <a:ext uri="{91240B29-F687-4f45-9708-019B960494DF}">
-                <a14:hiddenLine xmlns:a14="http://schemas.microsoft.com/office/drawing/2010/main" xmlns="" w="9525">
+                <a14:hiddenLine xmlns="" xmlns:a14="http://schemas.microsoft.com/office/drawing/2010/main" w="9525">
                   <a:solidFill>
                     <a:srgbClr val="000000"/>
                   </a:solidFill>
@@ -1458,7 +1461,7 @@
             </a:ln>
             <a:extLst>
               <a:ext uri="{91240B29-F687-4f45-9708-019B960494DF}">
-                <a14:hiddenLine xmlns:a14="http://schemas.microsoft.com/office/drawing/2010/main" xmlns="" w="9525">
+                <a14:hiddenLine xmlns="" xmlns:a14="http://schemas.microsoft.com/office/drawing/2010/main" w="9525">
                   <a:solidFill>
                     <a:srgbClr val="000000"/>
                   </a:solidFill>
@@ -1520,7 +1523,7 @@
             </a:ln>
             <a:extLst>
               <a:ext uri="{91240B29-F687-4f45-9708-019B960494DF}">
-                <a14:hiddenLine xmlns:a14="http://schemas.microsoft.com/office/drawing/2010/main" xmlns="" w="9525">
+                <a14:hiddenLine xmlns="" xmlns:a14="http://schemas.microsoft.com/office/drawing/2010/main" w="9525">
                   <a:solidFill>
                     <a:srgbClr val="000000"/>
                   </a:solidFill>
@@ -1610,7 +1613,7 @@
             </a:ln>
             <a:extLst>
               <a:ext uri="{91240B29-F687-4f45-9708-019B960494DF}">
-                <a14:hiddenLine xmlns:a14="http://schemas.microsoft.com/office/drawing/2010/main" xmlns="" w="9525">
+                <a14:hiddenLine xmlns="" xmlns:a14="http://schemas.microsoft.com/office/drawing/2010/main" w="9525">
                   <a:solidFill>
                     <a:srgbClr val="000000"/>
                   </a:solidFill>
@@ -1700,7 +1703,7 @@
             </a:ln>
             <a:extLst>
               <a:ext uri="{91240B29-F687-4f45-9708-019B960494DF}">
-                <a14:hiddenLine xmlns:a14="http://schemas.microsoft.com/office/drawing/2010/main" xmlns="" w="9525">
+                <a14:hiddenLine xmlns="" xmlns:a14="http://schemas.microsoft.com/office/drawing/2010/main" w="9525">
                   <a:solidFill>
                     <a:srgbClr val="000000"/>
                   </a:solidFill>
@@ -1756,7 +1759,7 @@
             </a:ln>
             <a:extLst>
               <a:ext uri="{91240B29-F687-4f45-9708-019B960494DF}">
-                <a14:hiddenLine xmlns:a14="http://schemas.microsoft.com/office/drawing/2010/main" xmlns="" w="9525">
+                <a14:hiddenLine xmlns="" xmlns:a14="http://schemas.microsoft.com/office/drawing/2010/main" w="9525">
                   <a:solidFill>
                     <a:srgbClr val="000000"/>
                   </a:solidFill>
@@ -1846,7 +1849,7 @@
             </a:ln>
             <a:extLst>
               <a:ext uri="{91240B29-F687-4f45-9708-019B960494DF}">
-                <a14:hiddenLine xmlns:a14="http://schemas.microsoft.com/office/drawing/2010/main" xmlns="" w="9525">
+                <a14:hiddenLine xmlns="" xmlns:a14="http://schemas.microsoft.com/office/drawing/2010/main" w="9525">
                   <a:solidFill>
                     <a:srgbClr val="000000"/>
                   </a:solidFill>
@@ -1902,7 +1905,7 @@
             </a:ln>
             <a:extLst>
               <a:ext uri="{91240B29-F687-4f45-9708-019B960494DF}">
-                <a14:hiddenLine xmlns:a14="http://schemas.microsoft.com/office/drawing/2010/main" xmlns="" w="9525">
+                <a14:hiddenLine xmlns="" xmlns:a14="http://schemas.microsoft.com/office/drawing/2010/main" w="9525">
                   <a:solidFill>
                     <a:srgbClr val="000000"/>
                   </a:solidFill>
@@ -1992,7 +1995,7 @@
             </a:ln>
             <a:extLst>
               <a:ext uri="{91240B29-F687-4f45-9708-019B960494DF}">
-                <a14:hiddenLine xmlns:a14="http://schemas.microsoft.com/office/drawing/2010/main" xmlns="" w="9525">
+                <a14:hiddenLine xmlns="" xmlns:a14="http://schemas.microsoft.com/office/drawing/2010/main" w="9525">
                   <a:solidFill>
                     <a:srgbClr val="000000"/>
                   </a:solidFill>
@@ -2060,7 +2063,7 @@
             </a:ln>
             <a:extLst>
               <a:ext uri="{91240B29-F687-4f45-9708-019B960494DF}">
-                <a14:hiddenLine xmlns:a14="http://schemas.microsoft.com/office/drawing/2010/main" xmlns="" w="9525">
+                <a14:hiddenLine xmlns="" xmlns:a14="http://schemas.microsoft.com/office/drawing/2010/main" w="9525">
                   <a:solidFill>
                     <a:srgbClr val="000000"/>
                   </a:solidFill>
@@ -2150,7 +2153,7 @@
             </a:ln>
             <a:extLst>
               <a:ext uri="{91240B29-F687-4f45-9708-019B960494DF}">
-                <a14:hiddenLine xmlns:a14="http://schemas.microsoft.com/office/drawing/2010/main" xmlns="" w="9525">
+                <a14:hiddenLine xmlns="" xmlns:a14="http://schemas.microsoft.com/office/drawing/2010/main" w="9525">
                   <a:solidFill>
                     <a:srgbClr val="000000"/>
                   </a:solidFill>
@@ -2218,7 +2221,7 @@
             </a:ln>
             <a:extLst>
               <a:ext uri="{91240B29-F687-4f45-9708-019B960494DF}">
-                <a14:hiddenLine xmlns:a14="http://schemas.microsoft.com/office/drawing/2010/main" xmlns="" w="9525">
+                <a14:hiddenLine xmlns="" xmlns:a14="http://schemas.microsoft.com/office/drawing/2010/main" w="9525">
                   <a:solidFill>
                     <a:srgbClr val="000000"/>
                   </a:solidFill>
@@ -2308,7 +2311,7 @@
             </a:ln>
             <a:extLst>
               <a:ext uri="{91240B29-F687-4f45-9708-019B960494DF}">
-                <a14:hiddenLine xmlns:a14="http://schemas.microsoft.com/office/drawing/2010/main" xmlns="" w="9525">
+                <a14:hiddenLine xmlns="" xmlns:a14="http://schemas.microsoft.com/office/drawing/2010/main" w="9525">
                   <a:solidFill>
                     <a:srgbClr val="000000"/>
                   </a:solidFill>
@@ -2342,7 +2345,7 @@
             </a:ln>
             <a:extLst>
               <a:ext uri="{91240B29-F687-4f45-9708-019B960494DF}">
-                <a14:hiddenLine xmlns:a14="http://schemas.microsoft.com/office/drawing/2010/main" xmlns="" w="9525">
+                <a14:hiddenLine xmlns="" xmlns:a14="http://schemas.microsoft.com/office/drawing/2010/main" w="9525">
                   <a:solidFill>
                     <a:srgbClr val="000000"/>
                   </a:solidFill>
@@ -2432,7 +2435,7 @@
             </a:ln>
             <a:extLst>
               <a:ext uri="{91240B29-F687-4f45-9708-019B960494DF}">
-                <a14:hiddenLine xmlns:a14="http://schemas.microsoft.com/office/drawing/2010/main" xmlns="" w="9525">
+                <a14:hiddenLine xmlns="" xmlns:a14="http://schemas.microsoft.com/office/drawing/2010/main" w="9525">
                   <a:solidFill>
                     <a:srgbClr val="000000"/>
                   </a:solidFill>
@@ -2494,7 +2497,7 @@
             </a:ln>
             <a:extLst>
               <a:ext uri="{91240B29-F687-4f45-9708-019B960494DF}">
-                <a14:hiddenLine xmlns:a14="http://schemas.microsoft.com/office/drawing/2010/main" xmlns="" w="9525">
+                <a14:hiddenLine xmlns="" xmlns:a14="http://schemas.microsoft.com/office/drawing/2010/main" w="9525">
                   <a:solidFill>
                     <a:srgbClr val="000000"/>
                   </a:solidFill>
@@ -2556,7 +2559,7 @@
             </a:ln>
             <a:extLst>
               <a:ext uri="{91240B29-F687-4f45-9708-019B960494DF}">
-                <a14:hiddenLine xmlns:a14="http://schemas.microsoft.com/office/drawing/2010/main" xmlns="" w="9525">
+                <a14:hiddenLine xmlns="" xmlns:a14="http://schemas.microsoft.com/office/drawing/2010/main" w="9525">
                   <a:solidFill>
                     <a:srgbClr val="000000"/>
                   </a:solidFill>
@@ -2646,7 +2649,7 @@
             </a:ln>
             <a:extLst>
               <a:ext uri="{91240B29-F687-4f45-9708-019B960494DF}">
-                <a14:hiddenLine xmlns:a14="http://schemas.microsoft.com/office/drawing/2010/main" xmlns="" w="9525">
+                <a14:hiddenLine xmlns="" xmlns:a14="http://schemas.microsoft.com/office/drawing/2010/main" w="9525">
                   <a:solidFill>
                     <a:srgbClr val="000000"/>
                   </a:solidFill>
@@ -2714,7 +2717,7 @@
             </a:ln>
             <a:extLst>
               <a:ext uri="{91240B29-F687-4f45-9708-019B960494DF}">
-                <a14:hiddenLine xmlns:a14="http://schemas.microsoft.com/office/drawing/2010/main" xmlns="" w="9525">
+                <a14:hiddenLine xmlns="" xmlns:a14="http://schemas.microsoft.com/office/drawing/2010/main" w="9525">
                   <a:solidFill>
                     <a:srgbClr val="000000"/>
                   </a:solidFill>
@@ -2776,7 +2779,7 @@
             </a:ln>
             <a:extLst>
               <a:ext uri="{91240B29-F687-4f45-9708-019B960494DF}">
-                <a14:hiddenLine xmlns:a14="http://schemas.microsoft.com/office/drawing/2010/main" xmlns="" w="9525">
+                <a14:hiddenLine xmlns="" xmlns:a14="http://schemas.microsoft.com/office/drawing/2010/main" w="9525">
                   <a:solidFill>
                     <a:srgbClr val="000000"/>
                   </a:solidFill>
@@ -2866,7 +2869,7 @@
             </a:ln>
             <a:extLst>
               <a:ext uri="{91240B29-F687-4f45-9708-019B960494DF}">
-                <a14:hiddenLine xmlns:a14="http://schemas.microsoft.com/office/drawing/2010/main" xmlns="" w="9525">
+                <a14:hiddenLine xmlns="" xmlns:a14="http://schemas.microsoft.com/office/drawing/2010/main" w="9525">
                   <a:solidFill>
                     <a:srgbClr val="000000"/>
                   </a:solidFill>
@@ -2928,7 +2931,7 @@
             </a:ln>
             <a:extLst>
               <a:ext uri="{91240B29-F687-4f45-9708-019B960494DF}">
-                <a14:hiddenLine xmlns:a14="http://schemas.microsoft.com/office/drawing/2010/main" xmlns="" w="9525">
+                <a14:hiddenLine xmlns="" xmlns:a14="http://schemas.microsoft.com/office/drawing/2010/main" w="9525">
                   <a:solidFill>
                     <a:srgbClr val="000000"/>
                   </a:solidFill>
@@ -3018,7 +3021,7 @@
             </a:ln>
             <a:extLst>
               <a:ext uri="{91240B29-F687-4f45-9708-019B960494DF}">
-                <a14:hiddenLine xmlns:a14="http://schemas.microsoft.com/office/drawing/2010/main" xmlns="" w="9525">
+                <a14:hiddenLine xmlns="" xmlns:a14="http://schemas.microsoft.com/office/drawing/2010/main" w="9525">
                   <a:solidFill>
                     <a:srgbClr val="000000"/>
                   </a:solidFill>
@@ -3080,7 +3083,7 @@
             </a:ln>
             <a:extLst>
               <a:ext uri="{91240B29-F687-4f45-9708-019B960494DF}">
-                <a14:hiddenLine xmlns:a14="http://schemas.microsoft.com/office/drawing/2010/main" xmlns="" w="9525">
+                <a14:hiddenLine xmlns="" xmlns:a14="http://schemas.microsoft.com/office/drawing/2010/main" w="9525">
                   <a:solidFill>
                     <a:srgbClr val="000000"/>
                   </a:solidFill>
@@ -3170,7 +3173,7 @@
             </a:ln>
             <a:extLst>
               <a:ext uri="{91240B29-F687-4f45-9708-019B960494DF}">
-                <a14:hiddenLine xmlns:a14="http://schemas.microsoft.com/office/drawing/2010/main" xmlns="" w="9525">
+                <a14:hiddenLine xmlns="" xmlns:a14="http://schemas.microsoft.com/office/drawing/2010/main" w="9525">
                   <a:solidFill>
                     <a:srgbClr val="000000"/>
                   </a:solidFill>
@@ -3204,7 +3207,7 @@
             </a:ln>
             <a:extLst>
               <a:ext uri="{91240B29-F687-4f45-9708-019B960494DF}">
-                <a14:hiddenLine xmlns:a14="http://schemas.microsoft.com/office/drawing/2010/main" xmlns="" w="9525">
+                <a14:hiddenLine xmlns="" xmlns:a14="http://schemas.microsoft.com/office/drawing/2010/main" w="9525">
                   <a:solidFill>
                     <a:srgbClr val="000000"/>
                   </a:solidFill>
@@ -3269,7 +3272,7 @@
             </a:ln>
             <a:extLst>
               <a:ext uri="{91240B29-F687-4f45-9708-019B960494DF}">
-                <a14:hiddenLine xmlns:a14="http://schemas.microsoft.com/office/drawing/2010/main" xmlns="" w="9525">
+                <a14:hiddenLine xmlns="" xmlns:a14="http://schemas.microsoft.com/office/drawing/2010/main" w="9525">
                   <a:solidFill>
                     <a:srgbClr val="000000"/>
                   </a:solidFill>
@@ -3359,7 +3362,7 @@
             </a:ln>
             <a:extLst>
               <a:ext uri="{91240B29-F687-4f45-9708-019B960494DF}">
-                <a14:hiddenLine xmlns:a14="http://schemas.microsoft.com/office/drawing/2010/main" xmlns="" w="9525">
+                <a14:hiddenLine xmlns="" xmlns:a14="http://schemas.microsoft.com/office/drawing/2010/main" w="9525">
                   <a:solidFill>
                     <a:srgbClr val="000000"/>
                   </a:solidFill>
@@ -3421,7 +3424,7 @@
             </a:ln>
             <a:extLst>
               <a:ext uri="{91240B29-F687-4f45-9708-019B960494DF}">
-                <a14:hiddenLine xmlns:a14="http://schemas.microsoft.com/office/drawing/2010/main" xmlns="" w="9525">
+                <a14:hiddenLine xmlns="" xmlns:a14="http://schemas.microsoft.com/office/drawing/2010/main" w="9525">
                   <a:solidFill>
                     <a:srgbClr val="000000"/>
                   </a:solidFill>
@@ -3511,7 +3514,7 @@
             </a:ln>
             <a:extLst>
               <a:ext uri="{91240B29-F687-4f45-9708-019B960494DF}">
-                <a14:hiddenLine xmlns:a14="http://schemas.microsoft.com/office/drawing/2010/main" xmlns="" w="9525">
+                <a14:hiddenLine xmlns="" xmlns:a14="http://schemas.microsoft.com/office/drawing/2010/main" w="9525">
                   <a:solidFill>
                     <a:srgbClr val="000000"/>
                   </a:solidFill>
@@ -3601,7 +3604,7 @@
             </a:ln>
             <a:extLst>
               <a:ext uri="{91240B29-F687-4f45-9708-019B960494DF}">
-                <a14:hiddenLine xmlns:a14="http://schemas.microsoft.com/office/drawing/2010/main" xmlns="" w="9525">
+                <a14:hiddenLine xmlns="" xmlns:a14="http://schemas.microsoft.com/office/drawing/2010/main" w="9525">
                   <a:solidFill>
                     <a:srgbClr val="000000"/>
                   </a:solidFill>
@@ -3666,7 +3669,7 @@
             </a:ln>
             <a:extLst>
               <a:ext uri="{91240B29-F687-4f45-9708-019B960494DF}">
-                <a14:hiddenLine xmlns:a14="http://schemas.microsoft.com/office/drawing/2010/main" xmlns="" w="9525">
+                <a14:hiddenLine xmlns="" xmlns:a14="http://schemas.microsoft.com/office/drawing/2010/main" w="9525">
                   <a:solidFill>
                     <a:srgbClr val="000000"/>
                   </a:solidFill>
@@ -3728,7 +3731,7 @@
             </a:ln>
             <a:extLst>
               <a:ext uri="{91240B29-F687-4f45-9708-019B960494DF}">
-                <a14:hiddenLine xmlns:a14="http://schemas.microsoft.com/office/drawing/2010/main" xmlns="" w="9525">
+                <a14:hiddenLine xmlns="" xmlns:a14="http://schemas.microsoft.com/office/drawing/2010/main" w="9525">
                   <a:solidFill>
                     <a:srgbClr val="000000"/>
                   </a:solidFill>
@@ -3818,7 +3821,7 @@
             </a:ln>
             <a:extLst>
               <a:ext uri="{91240B29-F687-4f45-9708-019B960494DF}">
-                <a14:hiddenLine xmlns:a14="http://schemas.microsoft.com/office/drawing/2010/main" xmlns="" w="9525">
+                <a14:hiddenLine xmlns="" xmlns:a14="http://schemas.microsoft.com/office/drawing/2010/main" w="9525">
                   <a:solidFill>
                     <a:srgbClr val="000000"/>
                   </a:solidFill>
@@ -3908,7 +3911,7 @@
             </a:ln>
             <a:extLst>
               <a:ext uri="{91240B29-F687-4f45-9708-019B960494DF}">
-                <a14:hiddenLine xmlns:a14="http://schemas.microsoft.com/office/drawing/2010/main" xmlns="" w="9525">
+                <a14:hiddenLine xmlns="" xmlns:a14="http://schemas.microsoft.com/office/drawing/2010/main" w="9525">
                   <a:solidFill>
                     <a:srgbClr val="000000"/>
                   </a:solidFill>
@@ -3970,7 +3973,7 @@
             </a:ln>
             <a:extLst>
               <a:ext uri="{91240B29-F687-4f45-9708-019B960494DF}">
-                <a14:hiddenLine xmlns:a14="http://schemas.microsoft.com/office/drawing/2010/main" xmlns="" w="9525">
+                <a14:hiddenLine xmlns="" xmlns:a14="http://schemas.microsoft.com/office/drawing/2010/main" w="9525">
                   <a:solidFill>
                     <a:srgbClr val="000000"/>
                   </a:solidFill>
@@ -4090,7 +4093,7 @@
             </a:ln>
             <a:extLst>
               <a:ext uri="{91240B29-F687-4f45-9708-019B960494DF}">
-                <a14:hiddenLine xmlns:a14="http://schemas.microsoft.com/office/drawing/2010/main" xmlns="" w="9525">
+                <a14:hiddenLine xmlns="" xmlns:a14="http://schemas.microsoft.com/office/drawing/2010/main" w="9525">
                   <a:solidFill>
                     <a:srgbClr val="000000"/>
                   </a:solidFill>
@@ -4158,7 +4161,7 @@
             </a:ln>
             <a:extLst>
               <a:ext uri="{91240B29-F687-4f45-9708-019B960494DF}">
-                <a14:hiddenLine xmlns:a14="http://schemas.microsoft.com/office/drawing/2010/main" xmlns="" w="9525">
+                <a14:hiddenLine xmlns="" xmlns:a14="http://schemas.microsoft.com/office/drawing/2010/main" w="9525">
                   <a:solidFill>
                     <a:srgbClr val="000000"/>
                   </a:solidFill>
@@ -4248,7 +4251,7 @@
             </a:ln>
             <a:extLst>
               <a:ext uri="{91240B29-F687-4f45-9708-019B960494DF}">
-                <a14:hiddenLine xmlns:a14="http://schemas.microsoft.com/office/drawing/2010/main" xmlns="" w="9525">
+                <a14:hiddenLine xmlns="" xmlns:a14="http://schemas.microsoft.com/office/drawing/2010/main" w="9525">
                   <a:solidFill>
                     <a:srgbClr val="000000"/>
                   </a:solidFill>
@@ -4388,7 +4391,7 @@
           <a:p>
             <a:fld id="{5C82F753-B85D-4127-A302-BF64662FD580}" type="datetimeFigureOut">
               <a:rPr lang="el-GR" smtClean="0"/>
-              <a:t>9/8/2020</a:t>
+              <a:t>10/8/2020</a:t>
             </a:fld>
             <a:endParaRPr lang="el-GR"/>
           </a:p>
@@ -4655,7 +4658,7 @@
           <a:p>
             <a:fld id="{5C82F753-B85D-4127-A302-BF64662FD580}" type="datetimeFigureOut">
               <a:rPr lang="el-GR" smtClean="0"/>
-              <a:t>9/8/2020</a:t>
+              <a:t>10/8/2020</a:t>
             </a:fld>
             <a:endParaRPr lang="el-GR"/>
           </a:p>
@@ -4851,7 +4854,7 @@
           <a:p>
             <a:fld id="{5C82F753-B85D-4127-A302-BF64662FD580}" type="datetimeFigureOut">
               <a:rPr lang="el-GR" smtClean="0"/>
-              <a:t>9/8/2020</a:t>
+              <a:t>10/8/2020</a:t>
             </a:fld>
             <a:endParaRPr lang="el-GR"/>
           </a:p>
@@ -5114,7 +5117,7 @@
           <a:p>
             <a:fld id="{5C82F753-B85D-4127-A302-BF64662FD580}" type="datetimeFigureOut">
               <a:rPr lang="el-GR" smtClean="0"/>
-              <a:t>9/8/2020</a:t>
+              <a:t>10/8/2020</a:t>
             </a:fld>
             <a:endParaRPr lang="el-GR"/>
           </a:p>
@@ -5548,7 +5551,7 @@
           <a:p>
             <a:fld id="{5C82F753-B85D-4127-A302-BF64662FD580}" type="datetimeFigureOut">
               <a:rPr lang="el-GR" smtClean="0"/>
-              <a:t>9/8/2020</a:t>
+              <a:t>10/8/2020</a:t>
             </a:fld>
             <a:endParaRPr lang="el-GR"/>
           </a:p>
@@ -6094,7 +6097,7 @@
           <a:p>
             <a:fld id="{5C82F753-B85D-4127-A302-BF64662FD580}" type="datetimeFigureOut">
               <a:rPr lang="el-GR" smtClean="0"/>
-              <a:t>9/8/2020</a:t>
+              <a:t>10/8/2020</a:t>
             </a:fld>
             <a:endParaRPr lang="el-GR"/>
           </a:p>
@@ -6814,7 +6817,7 @@
           <a:p>
             <a:fld id="{5C82F753-B85D-4127-A302-BF64662FD580}" type="datetimeFigureOut">
               <a:rPr lang="el-GR" smtClean="0"/>
-              <a:t>9/8/2020</a:t>
+              <a:t>10/8/2020</a:t>
             </a:fld>
             <a:endParaRPr lang="el-GR"/>
           </a:p>
@@ -6984,7 +6987,7 @@
           <a:p>
             <a:fld id="{5C82F753-B85D-4127-A302-BF64662FD580}" type="datetimeFigureOut">
               <a:rPr lang="el-GR" smtClean="0"/>
-              <a:t>9/8/2020</a:t>
+              <a:t>10/8/2020</a:t>
             </a:fld>
             <a:endParaRPr lang="el-GR"/>
           </a:p>
@@ -7164,7 +7167,7 @@
           <a:p>
             <a:fld id="{5C82F753-B85D-4127-A302-BF64662FD580}" type="datetimeFigureOut">
               <a:rPr lang="el-GR" smtClean="0"/>
-              <a:t>9/8/2020</a:t>
+              <a:t>10/8/2020</a:t>
             </a:fld>
             <a:endParaRPr lang="el-GR"/>
           </a:p>
@@ -7334,7 +7337,7 @@
           <a:p>
             <a:fld id="{5C82F753-B85D-4127-A302-BF64662FD580}" type="datetimeFigureOut">
               <a:rPr lang="el-GR" smtClean="0"/>
-              <a:t>9/8/2020</a:t>
+              <a:t>10/8/2020</a:t>
             </a:fld>
             <a:endParaRPr lang="el-GR"/>
           </a:p>
@@ -7584,7 +7587,7 @@
           <a:p>
             <a:fld id="{5C82F753-B85D-4127-A302-BF64662FD580}" type="datetimeFigureOut">
               <a:rPr lang="el-GR" smtClean="0"/>
-              <a:t>9/8/2020</a:t>
+              <a:t>10/8/2020</a:t>
             </a:fld>
             <a:endParaRPr lang="el-GR"/>
           </a:p>
@@ -7816,7 +7819,7 @@
           <a:p>
             <a:fld id="{5C82F753-B85D-4127-A302-BF64662FD580}" type="datetimeFigureOut">
               <a:rPr lang="el-GR" smtClean="0"/>
-              <a:t>9/8/2020</a:t>
+              <a:t>10/8/2020</a:t>
             </a:fld>
             <a:endParaRPr lang="el-GR"/>
           </a:p>
@@ -8197,7 +8200,7 @@
           <a:p>
             <a:fld id="{5C82F753-B85D-4127-A302-BF64662FD580}" type="datetimeFigureOut">
               <a:rPr lang="el-GR" smtClean="0"/>
-              <a:t>9/8/2020</a:t>
+              <a:t>10/8/2020</a:t>
             </a:fld>
             <a:endParaRPr lang="el-GR"/>
           </a:p>
@@ -8315,7 +8318,7 @@
           <a:p>
             <a:fld id="{5C82F753-B85D-4127-A302-BF64662FD580}" type="datetimeFigureOut">
               <a:rPr lang="el-GR" smtClean="0"/>
-              <a:t>9/8/2020</a:t>
+              <a:t>10/8/2020</a:t>
             </a:fld>
             <a:endParaRPr lang="el-GR"/>
           </a:p>
@@ -8410,7 +8413,7 @@
           <a:p>
             <a:fld id="{5C82F753-B85D-4127-A302-BF64662FD580}" type="datetimeFigureOut">
               <a:rPr lang="el-GR" smtClean="0"/>
-              <a:t>9/8/2020</a:t>
+              <a:t>10/8/2020</a:t>
             </a:fld>
             <a:endParaRPr lang="el-GR"/>
           </a:p>
@@ -8659,7 +8662,7 @@
           <a:p>
             <a:fld id="{5C82F753-B85D-4127-A302-BF64662FD580}" type="datetimeFigureOut">
               <a:rPr lang="el-GR" smtClean="0"/>
-              <a:t>9/8/2020</a:t>
+              <a:t>10/8/2020</a:t>
             </a:fld>
             <a:endParaRPr lang="el-GR"/>
           </a:p>
@@ -8939,7 +8942,7 @@
           <a:p>
             <a:fld id="{5C82F753-B85D-4127-A302-BF64662FD580}" type="datetimeFigureOut">
               <a:rPr lang="el-GR" smtClean="0"/>
-              <a:t>9/8/2020</a:t>
+              <a:t>10/8/2020</a:t>
             </a:fld>
             <a:endParaRPr lang="el-GR"/>
           </a:p>
@@ -9055,7 +9058,7 @@
           <a:noFill/>
           <a:extLst>
             <a:ext uri="{909E8E84-426E-40dd-AFC4-6F175D3DCCD1}">
-              <a14:hiddenFill xmlns:a14="http://schemas.microsoft.com/office/drawing/2010/main" xmlns="">
+              <a14:hiddenFill xmlns="" xmlns:a14="http://schemas.microsoft.com/office/drawing/2010/main">
                 <a:solidFill>
                   <a:srgbClr val="FFFFFF"/>
                 </a:solidFill>
@@ -9129,7 +9132,7 @@
               </a:ln>
               <a:extLst>
                 <a:ext uri="{91240B29-F687-4f45-9708-019B960494DF}">
-                  <a14:hiddenLine xmlns:a14="http://schemas.microsoft.com/office/drawing/2010/main" xmlns="" w="9525">
+                  <a14:hiddenLine xmlns="" xmlns:a14="http://schemas.microsoft.com/office/drawing/2010/main" w="9525">
                     <a:solidFill>
                       <a:srgbClr val="000000"/>
                     </a:solidFill>
@@ -9219,7 +9222,7 @@
               </a:ln>
               <a:extLst>
                 <a:ext uri="{91240B29-F687-4f45-9708-019B960494DF}">
-                  <a14:hiddenLine xmlns:a14="http://schemas.microsoft.com/office/drawing/2010/main" xmlns="" w="9525">
+                  <a14:hiddenLine xmlns="" xmlns:a14="http://schemas.microsoft.com/office/drawing/2010/main" w="9525">
                     <a:solidFill>
                       <a:srgbClr val="000000"/>
                     </a:solidFill>
@@ -9309,7 +9312,7 @@
               </a:ln>
               <a:extLst>
                 <a:ext uri="{91240B29-F687-4f45-9708-019B960494DF}">
-                  <a14:hiddenLine xmlns:a14="http://schemas.microsoft.com/office/drawing/2010/main" xmlns="" w="9525">
+                  <a14:hiddenLine xmlns="" xmlns:a14="http://schemas.microsoft.com/office/drawing/2010/main" w="9525">
                     <a:solidFill>
                       <a:srgbClr val="000000"/>
                     </a:solidFill>
@@ -9371,7 +9374,7 @@
               </a:ln>
               <a:extLst>
                 <a:ext uri="{91240B29-F687-4f45-9708-019B960494DF}">
-                  <a14:hiddenLine xmlns:a14="http://schemas.microsoft.com/office/drawing/2010/main" xmlns="" w="9525">
+                  <a14:hiddenLine xmlns="" xmlns:a14="http://schemas.microsoft.com/office/drawing/2010/main" w="9525">
                     <a:solidFill>
                       <a:srgbClr val="000000"/>
                     </a:solidFill>
@@ -9461,7 +9464,7 @@
               </a:ln>
               <a:extLst>
                 <a:ext uri="{91240B29-F687-4f45-9708-019B960494DF}">
-                  <a14:hiddenLine xmlns:a14="http://schemas.microsoft.com/office/drawing/2010/main" xmlns="" w="9525">
+                  <a14:hiddenLine xmlns="" xmlns:a14="http://schemas.microsoft.com/office/drawing/2010/main" w="9525">
                     <a:solidFill>
                       <a:srgbClr val="000000"/>
                     </a:solidFill>
@@ -9523,7 +9526,7 @@
               </a:ln>
               <a:extLst>
                 <a:ext uri="{91240B29-F687-4f45-9708-019B960494DF}">
-                  <a14:hiddenLine xmlns:a14="http://schemas.microsoft.com/office/drawing/2010/main" xmlns="" w="9525">
+                  <a14:hiddenLine xmlns="" xmlns:a14="http://schemas.microsoft.com/office/drawing/2010/main" w="9525">
                     <a:solidFill>
                       <a:srgbClr val="000000"/>
                     </a:solidFill>
@@ -9585,7 +9588,7 @@
               </a:ln>
               <a:extLst>
                 <a:ext uri="{91240B29-F687-4f45-9708-019B960494DF}">
-                  <a14:hiddenLine xmlns:a14="http://schemas.microsoft.com/office/drawing/2010/main" xmlns="" w="9525">
+                  <a14:hiddenLine xmlns="" xmlns:a14="http://schemas.microsoft.com/office/drawing/2010/main" w="9525">
                     <a:solidFill>
                       <a:srgbClr val="000000"/>
                     </a:solidFill>
@@ -9675,7 +9678,7 @@
               </a:ln>
               <a:extLst>
                 <a:ext uri="{91240B29-F687-4f45-9708-019B960494DF}">
-                  <a14:hiddenLine xmlns:a14="http://schemas.microsoft.com/office/drawing/2010/main" xmlns="" w="9525">
+                  <a14:hiddenLine xmlns="" xmlns:a14="http://schemas.microsoft.com/office/drawing/2010/main" w="9525">
                     <a:solidFill>
                       <a:srgbClr val="000000"/>
                     </a:solidFill>
@@ -9765,7 +9768,7 @@
               </a:ln>
               <a:extLst>
                 <a:ext uri="{91240B29-F687-4f45-9708-019B960494DF}">
-                  <a14:hiddenLine xmlns:a14="http://schemas.microsoft.com/office/drawing/2010/main" xmlns="" w="9525">
+                  <a14:hiddenLine xmlns="" xmlns:a14="http://schemas.microsoft.com/office/drawing/2010/main" w="9525">
                     <a:solidFill>
                       <a:srgbClr val="000000"/>
                     </a:solidFill>
@@ -9827,7 +9830,7 @@
               </a:ln>
               <a:extLst>
                 <a:ext uri="{91240B29-F687-4f45-9708-019B960494DF}">
-                  <a14:hiddenLine xmlns:a14="http://schemas.microsoft.com/office/drawing/2010/main" xmlns="" w="9525">
+                  <a14:hiddenLine xmlns="" xmlns:a14="http://schemas.microsoft.com/office/drawing/2010/main" w="9525">
                     <a:solidFill>
                       <a:srgbClr val="000000"/>
                     </a:solidFill>
@@ -9937,7 +9940,7 @@
               </a:ln>
               <a:extLst>
                 <a:ext uri="{91240B29-F687-4f45-9708-019B960494DF}">
-                  <a14:hiddenLine xmlns:a14="http://schemas.microsoft.com/office/drawing/2010/main" xmlns="" w="9525">
+                  <a14:hiddenLine xmlns="" xmlns:a14="http://schemas.microsoft.com/office/drawing/2010/main" w="9525">
                     <a:solidFill>
                       <a:srgbClr val="000000"/>
                     </a:solidFill>
@@ -10021,7 +10024,7 @@
               </a:ln>
               <a:extLst>
                 <a:ext uri="{91240B29-F687-4f45-9708-019B960494DF}">
-                  <a14:hiddenLine xmlns:a14="http://schemas.microsoft.com/office/drawing/2010/main" xmlns="" w="9525">
+                  <a14:hiddenLine xmlns="" xmlns:a14="http://schemas.microsoft.com/office/drawing/2010/main" w="9525">
                     <a:solidFill>
                       <a:srgbClr val="000000"/>
                     </a:solidFill>
@@ -10083,7 +10086,7 @@
               </a:ln>
               <a:extLst>
                 <a:ext uri="{91240B29-F687-4f45-9708-019B960494DF}">
-                  <a14:hiddenLine xmlns:a14="http://schemas.microsoft.com/office/drawing/2010/main" xmlns="" w="9525">
+                  <a14:hiddenLine xmlns="" xmlns:a14="http://schemas.microsoft.com/office/drawing/2010/main" w="9525">
                     <a:solidFill>
                       <a:srgbClr val="000000"/>
                     </a:solidFill>
@@ -10145,7 +10148,7 @@
               </a:ln>
               <a:extLst>
                 <a:ext uri="{91240B29-F687-4f45-9708-019B960494DF}">
-                  <a14:hiddenLine xmlns:a14="http://schemas.microsoft.com/office/drawing/2010/main" xmlns="" w="9525">
+                  <a14:hiddenLine xmlns="" xmlns:a14="http://schemas.microsoft.com/office/drawing/2010/main" w="9525">
                     <a:solidFill>
                       <a:srgbClr val="000000"/>
                     </a:solidFill>
@@ -10235,7 +10238,7 @@
               </a:ln>
               <a:extLst>
                 <a:ext uri="{91240B29-F687-4f45-9708-019B960494DF}">
-                  <a14:hiddenLine xmlns:a14="http://schemas.microsoft.com/office/drawing/2010/main" xmlns="" w="9525">
+                  <a14:hiddenLine xmlns="" xmlns:a14="http://schemas.microsoft.com/office/drawing/2010/main" w="9525">
                     <a:solidFill>
                       <a:srgbClr val="000000"/>
                     </a:solidFill>
@@ -10269,7 +10272,7 @@
               </a:ln>
               <a:extLst>
                 <a:ext uri="{91240B29-F687-4f45-9708-019B960494DF}">
-                  <a14:hiddenLine xmlns:a14="http://schemas.microsoft.com/office/drawing/2010/main" xmlns="" w="9525">
+                  <a14:hiddenLine xmlns="" xmlns:a14="http://schemas.microsoft.com/office/drawing/2010/main" w="9525">
                     <a:solidFill>
                       <a:srgbClr val="000000"/>
                     </a:solidFill>
@@ -10334,7 +10337,7 @@
               </a:ln>
               <a:extLst>
                 <a:ext uri="{91240B29-F687-4f45-9708-019B960494DF}">
-                  <a14:hiddenLine xmlns:a14="http://schemas.microsoft.com/office/drawing/2010/main" xmlns="" w="9525">
+                  <a14:hiddenLine xmlns="" xmlns:a14="http://schemas.microsoft.com/office/drawing/2010/main" w="9525">
                     <a:solidFill>
                       <a:srgbClr val="000000"/>
                     </a:solidFill>
@@ -10424,7 +10427,7 @@
               </a:ln>
               <a:extLst>
                 <a:ext uri="{91240B29-F687-4f45-9708-019B960494DF}">
-                  <a14:hiddenLine xmlns:a14="http://schemas.microsoft.com/office/drawing/2010/main" xmlns="" w="9525">
+                  <a14:hiddenLine xmlns="" xmlns:a14="http://schemas.microsoft.com/office/drawing/2010/main" w="9525">
                     <a:solidFill>
                       <a:srgbClr val="000000"/>
                     </a:solidFill>
@@ -10486,7 +10489,7 @@
               </a:ln>
               <a:extLst>
                 <a:ext uri="{91240B29-F687-4f45-9708-019B960494DF}">
-                  <a14:hiddenLine xmlns:a14="http://schemas.microsoft.com/office/drawing/2010/main" xmlns="" w="9525">
+                  <a14:hiddenLine xmlns="" xmlns:a14="http://schemas.microsoft.com/office/drawing/2010/main" w="9525">
                     <a:solidFill>
                       <a:srgbClr val="000000"/>
                     </a:solidFill>
@@ -10576,7 +10579,7 @@
               </a:ln>
               <a:extLst>
                 <a:ext uri="{91240B29-F687-4f45-9708-019B960494DF}">
-                  <a14:hiddenLine xmlns:a14="http://schemas.microsoft.com/office/drawing/2010/main" xmlns="" w="9525">
+                  <a14:hiddenLine xmlns="" xmlns:a14="http://schemas.microsoft.com/office/drawing/2010/main" w="9525">
                     <a:solidFill>
                       <a:srgbClr val="000000"/>
                     </a:solidFill>
@@ -10641,7 +10644,7 @@
               </a:ln>
               <a:extLst>
                 <a:ext uri="{91240B29-F687-4f45-9708-019B960494DF}">
-                  <a14:hiddenLine xmlns:a14="http://schemas.microsoft.com/office/drawing/2010/main" xmlns="" w="9525">
+                  <a14:hiddenLine xmlns="" xmlns:a14="http://schemas.microsoft.com/office/drawing/2010/main" w="9525">
                     <a:solidFill>
                       <a:srgbClr val="000000"/>
                     </a:solidFill>
@@ -10703,7 +10706,7 @@
               </a:ln>
               <a:extLst>
                 <a:ext uri="{91240B29-F687-4f45-9708-019B960494DF}">
-                  <a14:hiddenLine xmlns:a14="http://schemas.microsoft.com/office/drawing/2010/main" xmlns="" w="9525">
+                  <a14:hiddenLine xmlns="" xmlns:a14="http://schemas.microsoft.com/office/drawing/2010/main" w="9525">
                     <a:solidFill>
                       <a:srgbClr val="000000"/>
                     </a:solidFill>
@@ -10793,7 +10796,7 @@
               </a:ln>
               <a:extLst>
                 <a:ext uri="{91240B29-F687-4f45-9708-019B960494DF}">
-                  <a14:hiddenLine xmlns:a14="http://schemas.microsoft.com/office/drawing/2010/main" xmlns="" w="9525">
+                  <a14:hiddenLine xmlns="" xmlns:a14="http://schemas.microsoft.com/office/drawing/2010/main" w="9525">
                     <a:solidFill>
                       <a:srgbClr val="000000"/>
                     </a:solidFill>
@@ -10883,7 +10886,7 @@
               </a:ln>
               <a:extLst>
                 <a:ext uri="{91240B29-F687-4f45-9708-019B960494DF}">
-                  <a14:hiddenLine xmlns:a14="http://schemas.microsoft.com/office/drawing/2010/main" xmlns="" w="9525">
+                  <a14:hiddenLine xmlns="" xmlns:a14="http://schemas.microsoft.com/office/drawing/2010/main" w="9525">
                     <a:solidFill>
                       <a:srgbClr val="000000"/>
                     </a:solidFill>
@@ -10948,7 +10951,7 @@
               </a:ln>
               <a:extLst>
                 <a:ext uri="{91240B29-F687-4f45-9708-019B960494DF}">
-                  <a14:hiddenLine xmlns:a14="http://schemas.microsoft.com/office/drawing/2010/main" xmlns="" w="9525">
+                  <a14:hiddenLine xmlns="" xmlns:a14="http://schemas.microsoft.com/office/drawing/2010/main" w="9525">
                     <a:solidFill>
                       <a:srgbClr val="000000"/>
                     </a:solidFill>
@@ -11068,7 +11071,7 @@
               </a:ln>
               <a:extLst>
                 <a:ext uri="{91240B29-F687-4f45-9708-019B960494DF}">
-                  <a14:hiddenLine xmlns:a14="http://schemas.microsoft.com/office/drawing/2010/main" xmlns="" w="9525">
+                  <a14:hiddenLine xmlns="" xmlns:a14="http://schemas.microsoft.com/office/drawing/2010/main" w="9525">
                     <a:solidFill>
                       <a:srgbClr val="000000"/>
                     </a:solidFill>
@@ -11166,7 +11169,7 @@
               </a:ln>
               <a:extLst>
                 <a:ext uri="{91240B29-F687-4f45-9708-019B960494DF}">
-                  <a14:hiddenLine xmlns:a14="http://schemas.microsoft.com/office/drawing/2010/main" xmlns="" w="9525">
+                  <a14:hiddenLine xmlns="" xmlns:a14="http://schemas.microsoft.com/office/drawing/2010/main" w="9525">
                     <a:solidFill>
                       <a:srgbClr val="000000"/>
                     </a:solidFill>
@@ -11281,7 +11284,7 @@
               </a:ln>
               <a:extLst>
                 <a:ext uri="{91240B29-F687-4f45-9708-019B960494DF}">
-                  <a14:hiddenLine xmlns:a14="http://schemas.microsoft.com/office/drawing/2010/main" xmlns="" w="9525">
+                  <a14:hiddenLine xmlns="" xmlns:a14="http://schemas.microsoft.com/office/drawing/2010/main" w="9525">
                     <a:solidFill>
                       <a:srgbClr val="000000"/>
                     </a:solidFill>
@@ -11371,7 +11374,7 @@
               </a:ln>
               <a:extLst>
                 <a:ext uri="{91240B29-F687-4f45-9708-019B960494DF}">
-                  <a14:hiddenLine xmlns:a14="http://schemas.microsoft.com/office/drawing/2010/main" xmlns="" w="9525">
+                  <a14:hiddenLine xmlns="" xmlns:a14="http://schemas.microsoft.com/office/drawing/2010/main" w="9525">
                     <a:solidFill>
                       <a:srgbClr val="000000"/>
                     </a:solidFill>
@@ -11436,7 +11439,7 @@
               </a:ln>
               <a:extLst>
                 <a:ext uri="{91240B29-F687-4f45-9708-019B960494DF}">
-                  <a14:hiddenLine xmlns:a14="http://schemas.microsoft.com/office/drawing/2010/main" xmlns="" w="9525">
+                  <a14:hiddenLine xmlns="" xmlns:a14="http://schemas.microsoft.com/office/drawing/2010/main" w="9525">
                     <a:solidFill>
                       <a:srgbClr val="000000"/>
                     </a:solidFill>
@@ -11526,7 +11529,7 @@
               </a:ln>
               <a:extLst>
                 <a:ext uri="{91240B29-F687-4f45-9708-019B960494DF}">
-                  <a14:hiddenLine xmlns:a14="http://schemas.microsoft.com/office/drawing/2010/main" xmlns="" w="9525">
+                  <a14:hiddenLine xmlns="" xmlns:a14="http://schemas.microsoft.com/office/drawing/2010/main" w="9525">
                     <a:solidFill>
                       <a:srgbClr val="000000"/>
                     </a:solidFill>
@@ -11594,7 +11597,7 @@
               </a:ln>
               <a:extLst>
                 <a:ext uri="{91240B29-F687-4f45-9708-019B960494DF}">
-                  <a14:hiddenLine xmlns:a14="http://schemas.microsoft.com/office/drawing/2010/main" xmlns="" w="9525">
+                  <a14:hiddenLine xmlns="" xmlns:a14="http://schemas.microsoft.com/office/drawing/2010/main" w="9525">
                     <a:solidFill>
                       <a:srgbClr val="000000"/>
                     </a:solidFill>
@@ -11684,7 +11687,7 @@
               </a:ln>
               <a:extLst>
                 <a:ext uri="{91240B29-F687-4f45-9708-019B960494DF}">
-                  <a14:hiddenLine xmlns:a14="http://schemas.microsoft.com/office/drawing/2010/main" xmlns="" w="9525">
+                  <a14:hiddenLine xmlns="" xmlns:a14="http://schemas.microsoft.com/office/drawing/2010/main" w="9525">
                     <a:solidFill>
                       <a:srgbClr val="000000"/>
                     </a:solidFill>
@@ -11752,7 +11755,7 @@
               </a:ln>
               <a:extLst>
                 <a:ext uri="{91240B29-F687-4f45-9708-019B960494DF}">
-                  <a14:hiddenLine xmlns:a14="http://schemas.microsoft.com/office/drawing/2010/main" xmlns="" w="9525">
+                  <a14:hiddenLine xmlns="" xmlns:a14="http://schemas.microsoft.com/office/drawing/2010/main" w="9525">
                     <a:solidFill>
                       <a:srgbClr val="000000"/>
                     </a:solidFill>
@@ -11842,7 +11845,7 @@
               </a:ln>
               <a:extLst>
                 <a:ext uri="{91240B29-F687-4f45-9708-019B960494DF}">
-                  <a14:hiddenLine xmlns:a14="http://schemas.microsoft.com/office/drawing/2010/main" xmlns="" w="9525">
+                  <a14:hiddenLine xmlns="" xmlns:a14="http://schemas.microsoft.com/office/drawing/2010/main" w="9525">
                     <a:solidFill>
                       <a:srgbClr val="000000"/>
                     </a:solidFill>
@@ -11876,7 +11879,7 @@
               </a:ln>
               <a:extLst>
                 <a:ext uri="{91240B29-F687-4f45-9708-019B960494DF}">
-                  <a14:hiddenLine xmlns:a14="http://schemas.microsoft.com/office/drawing/2010/main" xmlns="" w="9525">
+                  <a14:hiddenLine xmlns="" xmlns:a14="http://schemas.microsoft.com/office/drawing/2010/main" w="9525">
                     <a:solidFill>
                       <a:srgbClr val="000000"/>
                     </a:solidFill>
@@ -12016,7 +12019,7 @@
           <a:p>
             <a:fld id="{5C82F753-B85D-4127-A302-BF64662FD580}" type="datetimeFigureOut">
               <a:rPr lang="el-GR" smtClean="0"/>
-              <a:t>9/8/2020</a:t>
+              <a:t>10/8/2020</a:t>
             </a:fld>
             <a:endParaRPr lang="el-GR"/>
           </a:p>
@@ -17512,11 +17515,366 @@
             <p:ph idx="1"/>
           </p:nvPr>
         </p:nvSpPr>
-        <p:spPr/>
+        <p:spPr>
+          <a:xfrm>
+            <a:off x="2205103" y="2249487"/>
+            <a:ext cx="2142964" cy="3541714"/>
+          </a:xfrm>
+        </p:spPr>
         <p:txBody>
-          <a:bodyPr/>
+          <a:bodyPr>
+            <a:normAutofit/>
+          </a:bodyPr>
           <a:lstStyle/>
           <a:p>
+            <a:pPr marL="0" indent="0">
+              <a:buNone/>
+            </a:pPr>
+            <a:r>
+              <a:rPr lang="en-US" dirty="0"/>
+              <a:t>Table: User</a:t>
+            </a:r>
+          </a:p>
+          <a:p>
+            <a:pPr marL="0" indent="0">
+              <a:buNone/>
+            </a:pPr>
+            <a:r>
+              <a:rPr lang="en-US" sz="1800" dirty="0"/>
+              <a:t>Columns</a:t>
+            </a:r>
+            <a:endParaRPr lang="en-US" dirty="0"/>
+          </a:p>
+          <a:p>
+            <a:r>
+              <a:rPr lang="en-US" sz="1600" dirty="0"/>
+              <a:t>id </a:t>
+            </a:r>
+          </a:p>
+          <a:p>
+            <a:r>
+              <a:rPr lang="en-US" sz="1600" dirty="0"/>
+              <a:t>email </a:t>
+            </a:r>
+          </a:p>
+          <a:p>
+            <a:r>
+              <a:rPr lang="en-US" sz="1600" dirty="0" err="1"/>
+              <a:t>first_name</a:t>
+            </a:r>
+            <a:r>
+              <a:rPr lang="en-US" sz="1600" dirty="0"/>
+              <a:t> </a:t>
+            </a:r>
+          </a:p>
+          <a:p>
+            <a:r>
+              <a:rPr lang="en-US" sz="1600" dirty="0"/>
+              <a:t>city </a:t>
+            </a:r>
+          </a:p>
+          <a:p>
+            <a:r>
+              <a:rPr lang="en-US" sz="1600" dirty="0" err="1"/>
+              <a:t>nbateamid</a:t>
+            </a:r>
+            <a:r>
+              <a:rPr lang="en-US" sz="1600" dirty="0"/>
+              <a:t> </a:t>
+            </a:r>
+          </a:p>
+          <a:p>
+            <a:pPr marL="0" indent="0">
+              <a:buNone/>
+            </a:pPr>
+            <a:endParaRPr lang="en-US" dirty="0"/>
+          </a:p>
+          <a:p>
+            <a:pPr marL="0" indent="0">
+              <a:buNone/>
+            </a:pPr>
+            <a:endParaRPr lang="el-GR" dirty="0"/>
+          </a:p>
+        </p:txBody>
+      </p:sp>
+      <p:sp>
+        <p:nvSpPr>
+          <p:cNvPr id="4" name="Content Placeholder 2">
+            <a:extLst>
+              <a:ext uri="{FF2B5EF4-FFF2-40B4-BE49-F238E27FC236}">
+                <a16:creationId xmlns:a16="http://schemas.microsoft.com/office/drawing/2014/main" id="{278FF54B-5FB7-47F1-8C88-73324A17357B}"/>
+              </a:ext>
+            </a:extLst>
+          </p:cNvPr>
+          <p:cNvSpPr txBox="1">
+            <a:spLocks/>
+          </p:cNvSpPr>
+          <p:nvPr/>
+        </p:nvSpPr>
+        <p:spPr>
+          <a:xfrm>
+            <a:off x="5424163" y="2249487"/>
+            <a:ext cx="2668587" cy="3541714"/>
+          </a:xfrm>
+          <a:prstGeom prst="rect">
+            <a:avLst/>
+          </a:prstGeom>
+        </p:spPr>
+        <p:txBody>
+          <a:bodyPr vert="horz" lIns="91440" tIns="45720" rIns="91440" bIns="45720" rtlCol="0">
+            <a:normAutofit fontScale="55000" lnSpcReduction="20000"/>
+          </a:bodyPr>
+          <a:lstStyle>
+            <a:lvl1pPr marL="228600" indent="-228600" algn="l" defTabSz="914400" rtl="0" eaLnBrk="1" latinLnBrk="0" hangingPunct="1">
+              <a:lnSpc>
+                <a:spcPct val="120000"/>
+              </a:lnSpc>
+              <a:spcBef>
+                <a:spcPts val="1000"/>
+              </a:spcBef>
+              <a:buSzPct val="125000"/>
+              <a:buFont typeface="Arial" panose="020B0604020202020204" pitchFamily="34" charset="0"/>
+              <a:buChar char="•"/>
+              <a:defRPr sz="2400" kern="1200">
+                <a:solidFill>
+                  <a:schemeClr val="tx1"/>
+                </a:solidFill>
+                <a:latin typeface="+mn-lt"/>
+                <a:ea typeface="+mn-ea"/>
+                <a:cs typeface="+mn-cs"/>
+              </a:defRPr>
+            </a:lvl1pPr>
+            <a:lvl2pPr marL="685800" indent="-228600" algn="l" defTabSz="914400" rtl="0" eaLnBrk="1" latinLnBrk="0" hangingPunct="1">
+              <a:lnSpc>
+                <a:spcPct val="120000"/>
+              </a:lnSpc>
+              <a:spcBef>
+                <a:spcPts val="500"/>
+              </a:spcBef>
+              <a:buSzPct val="125000"/>
+              <a:buFont typeface="Arial" panose="020B0604020202020204" pitchFamily="34" charset="0"/>
+              <a:buChar char="•"/>
+              <a:defRPr sz="2000" kern="1200">
+                <a:solidFill>
+                  <a:schemeClr val="tx1"/>
+                </a:solidFill>
+                <a:latin typeface="+mn-lt"/>
+                <a:ea typeface="+mn-ea"/>
+                <a:cs typeface="+mn-cs"/>
+              </a:defRPr>
+            </a:lvl2pPr>
+            <a:lvl3pPr marL="1143000" indent="-228600" algn="l" defTabSz="914400" rtl="0" eaLnBrk="1" latinLnBrk="0" hangingPunct="1">
+              <a:lnSpc>
+                <a:spcPct val="120000"/>
+              </a:lnSpc>
+              <a:spcBef>
+                <a:spcPts val="500"/>
+              </a:spcBef>
+              <a:buSzPct val="125000"/>
+              <a:buFont typeface="Arial" panose="020B0604020202020204" pitchFamily="34" charset="0"/>
+              <a:buChar char="•"/>
+              <a:defRPr sz="1800" kern="1200">
+                <a:solidFill>
+                  <a:schemeClr val="tx1"/>
+                </a:solidFill>
+                <a:latin typeface="+mn-lt"/>
+                <a:ea typeface="+mn-ea"/>
+                <a:cs typeface="+mn-cs"/>
+              </a:defRPr>
+            </a:lvl3pPr>
+            <a:lvl4pPr marL="1600200" indent="-228600" algn="l" defTabSz="914400" rtl="0" eaLnBrk="1" latinLnBrk="0" hangingPunct="1">
+              <a:lnSpc>
+                <a:spcPct val="120000"/>
+              </a:lnSpc>
+              <a:spcBef>
+                <a:spcPts val="500"/>
+              </a:spcBef>
+              <a:buSzPct val="125000"/>
+              <a:buFont typeface="Arial" panose="020B0604020202020204" pitchFamily="34" charset="0"/>
+              <a:buChar char="•"/>
+              <a:defRPr sz="1600" kern="1200">
+                <a:solidFill>
+                  <a:schemeClr val="tx1"/>
+                </a:solidFill>
+                <a:latin typeface="+mn-lt"/>
+                <a:ea typeface="+mn-ea"/>
+                <a:cs typeface="+mn-cs"/>
+              </a:defRPr>
+            </a:lvl4pPr>
+            <a:lvl5pPr marL="2057400" indent="-228600" algn="l" defTabSz="914400" rtl="0" eaLnBrk="1" latinLnBrk="0" hangingPunct="1">
+              <a:lnSpc>
+                <a:spcPct val="120000"/>
+              </a:lnSpc>
+              <a:spcBef>
+                <a:spcPts val="500"/>
+              </a:spcBef>
+              <a:buSzPct val="125000"/>
+              <a:buFont typeface="Arial" panose="020B0604020202020204" pitchFamily="34" charset="0"/>
+              <a:buChar char="•"/>
+              <a:defRPr sz="1600" kern="1200">
+                <a:solidFill>
+                  <a:schemeClr val="tx1"/>
+                </a:solidFill>
+                <a:latin typeface="+mn-lt"/>
+                <a:ea typeface="+mn-ea"/>
+                <a:cs typeface="+mn-cs"/>
+              </a:defRPr>
+            </a:lvl5pPr>
+            <a:lvl6pPr marL="2514600" indent="-228600" algn="l" defTabSz="914400" rtl="0" eaLnBrk="1" latinLnBrk="0" hangingPunct="1">
+              <a:lnSpc>
+                <a:spcPct val="120000"/>
+              </a:lnSpc>
+              <a:spcBef>
+                <a:spcPts val="500"/>
+              </a:spcBef>
+              <a:buSzPct val="125000"/>
+              <a:buFont typeface="Arial" panose="020B0604020202020204" pitchFamily="34" charset="0"/>
+              <a:buChar char="•"/>
+              <a:defRPr sz="1400" kern="1200">
+                <a:solidFill>
+                  <a:schemeClr val="tx1"/>
+                </a:solidFill>
+                <a:latin typeface="+mn-lt"/>
+                <a:ea typeface="+mn-ea"/>
+                <a:cs typeface="+mn-cs"/>
+              </a:defRPr>
+            </a:lvl6pPr>
+            <a:lvl7pPr marL="2971800" indent="-228600" algn="l" defTabSz="914400" rtl="0" eaLnBrk="1" latinLnBrk="0" hangingPunct="1">
+              <a:lnSpc>
+                <a:spcPct val="120000"/>
+              </a:lnSpc>
+              <a:spcBef>
+                <a:spcPts val="500"/>
+              </a:spcBef>
+              <a:buSzPct val="125000"/>
+              <a:buFont typeface="Arial" panose="020B0604020202020204" pitchFamily="34" charset="0"/>
+              <a:buChar char="•"/>
+              <a:defRPr sz="1400" kern="1200">
+                <a:solidFill>
+                  <a:schemeClr val="tx1"/>
+                </a:solidFill>
+                <a:latin typeface="+mn-lt"/>
+                <a:ea typeface="+mn-ea"/>
+                <a:cs typeface="+mn-cs"/>
+              </a:defRPr>
+            </a:lvl7pPr>
+            <a:lvl8pPr marL="3429000" indent="-228600" algn="l" defTabSz="914400" rtl="0" eaLnBrk="1" latinLnBrk="0" hangingPunct="1">
+              <a:lnSpc>
+                <a:spcPct val="120000"/>
+              </a:lnSpc>
+              <a:spcBef>
+                <a:spcPts val="500"/>
+              </a:spcBef>
+              <a:buSzPct val="125000"/>
+              <a:buFont typeface="Arial" panose="020B0604020202020204" pitchFamily="34" charset="0"/>
+              <a:buChar char="•"/>
+              <a:defRPr sz="1400" kern="1200">
+                <a:solidFill>
+                  <a:schemeClr val="tx1"/>
+                </a:solidFill>
+                <a:latin typeface="+mn-lt"/>
+                <a:ea typeface="+mn-ea"/>
+                <a:cs typeface="+mn-cs"/>
+              </a:defRPr>
+            </a:lvl8pPr>
+            <a:lvl9pPr marL="3886200" indent="-228600" algn="l" defTabSz="914400" rtl="0" eaLnBrk="1" latinLnBrk="0" hangingPunct="1">
+              <a:lnSpc>
+                <a:spcPct val="120000"/>
+              </a:lnSpc>
+              <a:spcBef>
+                <a:spcPts val="500"/>
+              </a:spcBef>
+              <a:buSzPct val="125000"/>
+              <a:buFont typeface="Arial" panose="020B0604020202020204" pitchFamily="34" charset="0"/>
+              <a:buChar char="•"/>
+              <a:defRPr sz="1400" kern="1200">
+                <a:solidFill>
+                  <a:schemeClr val="tx1"/>
+                </a:solidFill>
+                <a:latin typeface="+mn-lt"/>
+                <a:ea typeface="+mn-ea"/>
+                <a:cs typeface="+mn-cs"/>
+              </a:defRPr>
+            </a:lvl9pPr>
+          </a:lstStyle>
+          <a:p>
+            <a:pPr marL="0" indent="0">
+              <a:lnSpc>
+                <a:spcPct val="130000"/>
+              </a:lnSpc>
+              <a:buNone/>
+            </a:pPr>
+            <a:r>
+              <a:rPr lang="en-US" sz="5100" dirty="0"/>
+              <a:t>Table: </a:t>
+            </a:r>
+            <a:r>
+              <a:rPr lang="en-US" sz="5100" dirty="0" err="1"/>
+              <a:t>Nbateam</a:t>
+            </a:r>
+            <a:endParaRPr lang="en-US" sz="5100" dirty="0"/>
+          </a:p>
+          <a:p>
+            <a:pPr marL="0" indent="0">
+              <a:buFont typeface="Arial" panose="020B0604020202020204" pitchFamily="34" charset="0"/>
+              <a:buNone/>
+            </a:pPr>
+            <a:r>
+              <a:rPr lang="en-US" dirty="0"/>
+              <a:t>Columns</a:t>
+            </a:r>
+          </a:p>
+          <a:p>
+            <a:r>
+              <a:rPr lang="en-US" sz="2600" dirty="0"/>
+              <a:t>Id</a:t>
+            </a:r>
+          </a:p>
+          <a:p>
+            <a:r>
+              <a:rPr lang="en-US" sz="2600" dirty="0"/>
+              <a:t>abbreviation</a:t>
+            </a:r>
+          </a:p>
+          <a:p>
+            <a:r>
+              <a:rPr lang="en-US" sz="2600" dirty="0"/>
+              <a:t>city</a:t>
+            </a:r>
+          </a:p>
+          <a:p>
+            <a:r>
+              <a:rPr lang="en-US" sz="2600" dirty="0"/>
+              <a:t>conference</a:t>
+            </a:r>
+          </a:p>
+          <a:p>
+            <a:r>
+              <a:rPr lang="en-US" sz="2600" dirty="0"/>
+              <a:t>division</a:t>
+            </a:r>
+          </a:p>
+          <a:p>
+            <a:r>
+              <a:rPr lang="en-US" sz="2600" dirty="0" err="1"/>
+              <a:t>fullname</a:t>
+            </a:r>
+            <a:r>
+              <a:rPr lang="en-US" sz="2600" dirty="0"/>
+              <a:t> </a:t>
+            </a:r>
+          </a:p>
+          <a:p>
+            <a:r>
+              <a:rPr lang="en-US" sz="2600" dirty="0"/>
+              <a:t>name</a:t>
+            </a:r>
+          </a:p>
+          <a:p>
+            <a:pPr marL="0" indent="0">
+              <a:buFont typeface="Arial" panose="020B0604020202020204" pitchFamily="34" charset="0"/>
+              <a:buNone/>
+            </a:pPr>
             <a:endParaRPr lang="el-GR" dirty="0"/>
           </a:p>
         </p:txBody>
@@ -17525,174 +17883,6 @@
     <p:extLst>
       <p:ext uri="{BB962C8B-B14F-4D97-AF65-F5344CB8AC3E}">
         <p14:creationId xmlns:p14="http://schemas.microsoft.com/office/powerpoint/2010/main" val="3677594519"/>
-      </p:ext>
-    </p:extLst>
-  </p:cSld>
-  <p:clrMapOvr>
-    <a:masterClrMapping/>
-  </p:clrMapOvr>
-</p:sld>
-</file>
-
-<file path=ppt/slides/slide5.xml><?xml version="1.0" encoding="utf-8"?>
-<p:sld xmlns:a="http://schemas.openxmlformats.org/drawingml/2006/main" xmlns:r="http://schemas.openxmlformats.org/officeDocument/2006/relationships" xmlns:p="http://schemas.openxmlformats.org/presentationml/2006/main">
-  <p:cSld>
-    <p:spTree>
-      <p:nvGrpSpPr>
-        <p:cNvPr id="1" name=""/>
-        <p:cNvGrpSpPr/>
-        <p:nvPr/>
-      </p:nvGrpSpPr>
-      <p:grpSpPr>
-        <a:xfrm>
-          <a:off x="0" y="0"/>
-          <a:ext cx="0" cy="0"/>
-          <a:chOff x="0" y="0"/>
-          <a:chExt cx="0" cy="0"/>
-        </a:xfrm>
-      </p:grpSpPr>
-      <p:sp>
-        <p:nvSpPr>
-          <p:cNvPr id="2" name="Title 1">
-            <a:extLst>
-              <a:ext uri="{FF2B5EF4-FFF2-40B4-BE49-F238E27FC236}">
-                <a16:creationId xmlns:a16="http://schemas.microsoft.com/office/drawing/2014/main" id="{1AA0D241-68BB-4691-875E-36610B288FBF}"/>
-              </a:ext>
-            </a:extLst>
-          </p:cNvPr>
-          <p:cNvSpPr>
-            <a:spLocks noGrp="1"/>
-          </p:cNvSpPr>
-          <p:nvPr>
-            <p:ph type="title"/>
-          </p:nvPr>
-        </p:nvSpPr>
-        <p:spPr/>
-        <p:txBody>
-          <a:bodyPr/>
-          <a:lstStyle/>
-          <a:p>
-            <a:r>
-              <a:rPr lang="en-US" dirty="0"/>
-              <a:t>NBA API</a:t>
-            </a:r>
-            <a:endParaRPr lang="el-GR" dirty="0"/>
-          </a:p>
-        </p:txBody>
-      </p:sp>
-      <p:sp>
-        <p:nvSpPr>
-          <p:cNvPr id="3" name="Content Placeholder 2">
-            <a:extLst>
-              <a:ext uri="{FF2B5EF4-FFF2-40B4-BE49-F238E27FC236}">
-                <a16:creationId xmlns:a16="http://schemas.microsoft.com/office/drawing/2014/main" id="{C4E92887-24F1-4316-91AF-3305396306F5}"/>
-              </a:ext>
-            </a:extLst>
-          </p:cNvPr>
-          <p:cNvSpPr>
-            <a:spLocks noGrp="1"/>
-          </p:cNvSpPr>
-          <p:nvPr>
-            <p:ph idx="1"/>
-          </p:nvPr>
-        </p:nvSpPr>
-        <p:spPr/>
-        <p:txBody>
-          <a:bodyPr/>
-          <a:lstStyle/>
-          <a:p>
-            <a:endParaRPr lang="el-GR"/>
-          </a:p>
-        </p:txBody>
-      </p:sp>
-    </p:spTree>
-    <p:extLst>
-      <p:ext uri="{BB962C8B-B14F-4D97-AF65-F5344CB8AC3E}">
-        <p14:creationId xmlns:p14="http://schemas.microsoft.com/office/powerpoint/2010/main" val="38386398"/>
-      </p:ext>
-    </p:extLst>
-  </p:cSld>
-  <p:clrMapOvr>
-    <a:masterClrMapping/>
-  </p:clrMapOvr>
-</p:sld>
-</file>
-
-<file path=ppt/slides/slide6.xml><?xml version="1.0" encoding="utf-8"?>
-<p:sld xmlns:a="http://schemas.openxmlformats.org/drawingml/2006/main" xmlns:r="http://schemas.openxmlformats.org/officeDocument/2006/relationships" xmlns:p="http://schemas.openxmlformats.org/presentationml/2006/main">
-  <p:cSld>
-    <p:spTree>
-      <p:nvGrpSpPr>
-        <p:cNvPr id="1" name=""/>
-        <p:cNvGrpSpPr/>
-        <p:nvPr/>
-      </p:nvGrpSpPr>
-      <p:grpSpPr>
-        <a:xfrm>
-          <a:off x="0" y="0"/>
-          <a:ext cx="0" cy="0"/>
-          <a:chOff x="0" y="0"/>
-          <a:chExt cx="0" cy="0"/>
-        </a:xfrm>
-      </p:grpSpPr>
-      <p:sp>
-        <p:nvSpPr>
-          <p:cNvPr id="2" name="Title 1">
-            <a:extLst>
-              <a:ext uri="{FF2B5EF4-FFF2-40B4-BE49-F238E27FC236}">
-                <a16:creationId xmlns:a16="http://schemas.microsoft.com/office/drawing/2014/main" id="{CFB22EBA-9472-4C11-8E14-1A1CB63DF05E}"/>
-              </a:ext>
-            </a:extLst>
-          </p:cNvPr>
-          <p:cNvSpPr>
-            <a:spLocks noGrp="1"/>
-          </p:cNvSpPr>
-          <p:nvPr>
-            <p:ph type="title"/>
-          </p:nvPr>
-        </p:nvSpPr>
-        <p:spPr/>
-        <p:txBody>
-          <a:bodyPr/>
-          <a:lstStyle/>
-          <a:p>
-            <a:r>
-              <a:rPr lang="en-US" dirty="0"/>
-              <a:t>MVC Structure</a:t>
-            </a:r>
-            <a:endParaRPr lang="el-GR" dirty="0"/>
-          </a:p>
-        </p:txBody>
-      </p:sp>
-      <p:sp>
-        <p:nvSpPr>
-          <p:cNvPr id="3" name="Content Placeholder 2">
-            <a:extLst>
-              <a:ext uri="{FF2B5EF4-FFF2-40B4-BE49-F238E27FC236}">
-                <a16:creationId xmlns:a16="http://schemas.microsoft.com/office/drawing/2014/main" id="{4E61390D-09DA-4AB0-9A17-BF5DA4976901}"/>
-              </a:ext>
-            </a:extLst>
-          </p:cNvPr>
-          <p:cNvSpPr>
-            <a:spLocks noGrp="1"/>
-          </p:cNvSpPr>
-          <p:nvPr>
-            <p:ph idx="1"/>
-          </p:nvPr>
-        </p:nvSpPr>
-        <p:spPr/>
-        <p:txBody>
-          <a:bodyPr/>
-          <a:lstStyle/>
-          <a:p>
-            <a:endParaRPr lang="el-GR" dirty="0"/>
-          </a:p>
-        </p:txBody>
-      </p:sp>
-    </p:spTree>
-    <p:extLst>
-      <p:ext uri="{BB962C8B-B14F-4D97-AF65-F5344CB8AC3E}">
-        <p14:creationId xmlns:p14="http://schemas.microsoft.com/office/powerpoint/2010/main" val="2549361710"/>
       </p:ext>
     </p:extLst>
   </p:cSld>

--- a/docs/damkalan- Εργασια ΝΒΑ api.pptx
+++ b/docs/damkalan- Εργασια ΝΒΑ api.pptx
@@ -7,8 +7,9 @@
   <p:sldIdLst>
     <p:sldId id="256" r:id="rId2"/>
     <p:sldId id="260" r:id="rId3"/>
-    <p:sldId id="261" r:id="rId4"/>
-    <p:sldId id="257" r:id="rId5"/>
+    <p:sldId id="262" r:id="rId4"/>
+    <p:sldId id="261" r:id="rId5"/>
+    <p:sldId id="257" r:id="rId6"/>
   </p:sldIdLst>
   <p:sldSz cx="12192000" cy="6858000"/>
   <p:notesSz cx="6858000" cy="9144000"/>
@@ -165,7 +166,7 @@
           <a:noFill/>
           <a:extLst>
             <a:ext uri="{909E8E84-426E-40dd-AFC4-6F175D3DCCD1}">
-              <a14:hiddenFill xmlns="" xmlns:a14="http://schemas.microsoft.com/office/drawing/2010/main">
+              <a14:hiddenFill xmlns:a14="http://schemas.microsoft.com/office/drawing/2010/main" xmlns="">
                 <a:solidFill>
                   <a:srgbClr val="FFFFFF"/>
                 </a:solidFill>
@@ -225,7 +226,7 @@
             </a:ln>
             <a:extLst>
               <a:ext uri="{91240B29-F687-4f45-9708-019B960494DF}">
-                <a14:hiddenLine xmlns="" xmlns:a14="http://schemas.microsoft.com/office/drawing/2010/main" w="9525">
+                <a14:hiddenLine xmlns:a14="http://schemas.microsoft.com/office/drawing/2010/main" xmlns="" w="9525">
                   <a:solidFill>
                     <a:srgbClr val="000000"/>
                   </a:solidFill>
@@ -315,7 +316,7 @@
             </a:ln>
             <a:extLst>
               <a:ext uri="{91240B29-F687-4f45-9708-019B960494DF}">
-                <a14:hiddenLine xmlns="" xmlns:a14="http://schemas.microsoft.com/office/drawing/2010/main" w="9525">
+                <a14:hiddenLine xmlns:a14="http://schemas.microsoft.com/office/drawing/2010/main" xmlns="" w="9525">
                   <a:solidFill>
                     <a:srgbClr val="000000"/>
                   </a:solidFill>
@@ -405,7 +406,7 @@
             </a:ln>
             <a:extLst>
               <a:ext uri="{91240B29-F687-4f45-9708-019B960494DF}">
-                <a14:hiddenLine xmlns="" xmlns:a14="http://schemas.microsoft.com/office/drawing/2010/main" w="9525">
+                <a14:hiddenLine xmlns:a14="http://schemas.microsoft.com/office/drawing/2010/main" xmlns="" w="9525">
                   <a:solidFill>
                     <a:srgbClr val="000000"/>
                   </a:solidFill>
@@ -439,7 +440,7 @@
             </a:ln>
             <a:extLst>
               <a:ext uri="{91240B29-F687-4f45-9708-019B960494DF}">
-                <a14:hiddenLine xmlns="" xmlns:a14="http://schemas.microsoft.com/office/drawing/2010/main" w="9525">
+                <a14:hiddenLine xmlns:a14="http://schemas.microsoft.com/office/drawing/2010/main" xmlns="" w="9525">
                   <a:solidFill>
                     <a:srgbClr val="000000"/>
                   </a:solidFill>
@@ -529,7 +530,7 @@
             </a:ln>
             <a:extLst>
               <a:ext uri="{91240B29-F687-4f45-9708-019B960494DF}">
-                <a14:hiddenLine xmlns="" xmlns:a14="http://schemas.microsoft.com/office/drawing/2010/main" w="9525">
+                <a14:hiddenLine xmlns:a14="http://schemas.microsoft.com/office/drawing/2010/main" xmlns="" w="9525">
                   <a:solidFill>
                     <a:srgbClr val="000000"/>
                   </a:solidFill>
@@ -591,7 +592,7 @@
             </a:ln>
             <a:extLst>
               <a:ext uri="{91240B29-F687-4f45-9708-019B960494DF}">
-                <a14:hiddenLine xmlns="" xmlns:a14="http://schemas.microsoft.com/office/drawing/2010/main" w="9525">
+                <a14:hiddenLine xmlns:a14="http://schemas.microsoft.com/office/drawing/2010/main" xmlns="" w="9525">
                   <a:solidFill>
                     <a:srgbClr val="000000"/>
                   </a:solidFill>
@@ -653,7 +654,7 @@
             </a:ln>
             <a:extLst>
               <a:ext uri="{91240B29-F687-4f45-9708-019B960494DF}">
-                <a14:hiddenLine xmlns="" xmlns:a14="http://schemas.microsoft.com/office/drawing/2010/main" w="9525">
+                <a14:hiddenLine xmlns:a14="http://schemas.microsoft.com/office/drawing/2010/main" xmlns="" w="9525">
                   <a:solidFill>
                     <a:srgbClr val="000000"/>
                   </a:solidFill>
@@ -743,7 +744,7 @@
             </a:ln>
             <a:extLst>
               <a:ext uri="{91240B29-F687-4f45-9708-019B960494DF}">
-                <a14:hiddenLine xmlns="" xmlns:a14="http://schemas.microsoft.com/office/drawing/2010/main" w="9525">
+                <a14:hiddenLine xmlns:a14="http://schemas.microsoft.com/office/drawing/2010/main" xmlns="" w="9525">
                   <a:solidFill>
                     <a:srgbClr val="000000"/>
                   </a:solidFill>
@@ -805,7 +806,7 @@
             </a:ln>
             <a:extLst>
               <a:ext uri="{91240B29-F687-4f45-9708-019B960494DF}">
-                <a14:hiddenLine xmlns="" xmlns:a14="http://schemas.microsoft.com/office/drawing/2010/main" w="9525">
+                <a14:hiddenLine xmlns:a14="http://schemas.microsoft.com/office/drawing/2010/main" xmlns="" w="9525">
                   <a:solidFill>
                     <a:srgbClr val="000000"/>
                   </a:solidFill>
@@ -867,7 +868,7 @@
             </a:ln>
             <a:extLst>
               <a:ext uri="{91240B29-F687-4f45-9708-019B960494DF}">
-                <a14:hiddenLine xmlns="" xmlns:a14="http://schemas.microsoft.com/office/drawing/2010/main" w="9525">
+                <a14:hiddenLine xmlns:a14="http://schemas.microsoft.com/office/drawing/2010/main" xmlns="" w="9525">
                   <a:solidFill>
                     <a:srgbClr val="000000"/>
                   </a:solidFill>
@@ -957,7 +958,7 @@
             </a:ln>
             <a:extLst>
               <a:ext uri="{91240B29-F687-4f45-9708-019B960494DF}">
-                <a14:hiddenLine xmlns="" xmlns:a14="http://schemas.microsoft.com/office/drawing/2010/main" w="9525">
+                <a14:hiddenLine xmlns:a14="http://schemas.microsoft.com/office/drawing/2010/main" xmlns="" w="9525">
                   <a:solidFill>
                     <a:srgbClr val="000000"/>
                   </a:solidFill>
@@ -1047,7 +1048,7 @@
             </a:ln>
             <a:extLst>
               <a:ext uri="{91240B29-F687-4f45-9708-019B960494DF}">
-                <a14:hiddenLine xmlns="" xmlns:a14="http://schemas.microsoft.com/office/drawing/2010/main" w="9525">
+                <a14:hiddenLine xmlns:a14="http://schemas.microsoft.com/office/drawing/2010/main" xmlns="" w="9525">
                   <a:solidFill>
                     <a:srgbClr val="000000"/>
                   </a:solidFill>
@@ -1109,7 +1110,7 @@
             </a:ln>
             <a:extLst>
               <a:ext uri="{91240B29-F687-4f45-9708-019B960494DF}">
-                <a14:hiddenLine xmlns="" xmlns:a14="http://schemas.microsoft.com/office/drawing/2010/main" w="9525">
+                <a14:hiddenLine xmlns:a14="http://schemas.microsoft.com/office/drawing/2010/main" xmlns="" w="9525">
                   <a:solidFill>
                     <a:srgbClr val="000000"/>
                   </a:solidFill>
@@ -1219,7 +1220,7 @@
             </a:ln>
             <a:extLst>
               <a:ext uri="{91240B29-F687-4f45-9708-019B960494DF}">
-                <a14:hiddenLine xmlns="" xmlns:a14="http://schemas.microsoft.com/office/drawing/2010/main" w="9525">
+                <a14:hiddenLine xmlns:a14="http://schemas.microsoft.com/office/drawing/2010/main" xmlns="" w="9525">
                   <a:solidFill>
                     <a:srgbClr val="000000"/>
                   </a:solidFill>
@@ -1281,7 +1282,7 @@
             </a:ln>
             <a:extLst>
               <a:ext uri="{91240B29-F687-4f45-9708-019B960494DF}">
-                <a14:hiddenLine xmlns="" xmlns:a14="http://schemas.microsoft.com/office/drawing/2010/main" w="9525">
+                <a14:hiddenLine xmlns:a14="http://schemas.microsoft.com/office/drawing/2010/main" xmlns="" w="9525">
                   <a:solidFill>
                     <a:srgbClr val="000000"/>
                   </a:solidFill>
@@ -1371,7 +1372,7 @@
             </a:ln>
             <a:extLst>
               <a:ext uri="{91240B29-F687-4f45-9708-019B960494DF}">
-                <a14:hiddenLine xmlns="" xmlns:a14="http://schemas.microsoft.com/office/drawing/2010/main" w="9525">
+                <a14:hiddenLine xmlns:a14="http://schemas.microsoft.com/office/drawing/2010/main" xmlns="" w="9525">
                   <a:solidFill>
                     <a:srgbClr val="000000"/>
                   </a:solidFill>
@@ -1461,7 +1462,7 @@
             </a:ln>
             <a:extLst>
               <a:ext uri="{91240B29-F687-4f45-9708-019B960494DF}">
-                <a14:hiddenLine xmlns="" xmlns:a14="http://schemas.microsoft.com/office/drawing/2010/main" w="9525">
+                <a14:hiddenLine xmlns:a14="http://schemas.microsoft.com/office/drawing/2010/main" xmlns="" w="9525">
                   <a:solidFill>
                     <a:srgbClr val="000000"/>
                   </a:solidFill>
@@ -1523,7 +1524,7 @@
             </a:ln>
             <a:extLst>
               <a:ext uri="{91240B29-F687-4f45-9708-019B960494DF}">
-                <a14:hiddenLine xmlns="" xmlns:a14="http://schemas.microsoft.com/office/drawing/2010/main" w="9525">
+                <a14:hiddenLine xmlns:a14="http://schemas.microsoft.com/office/drawing/2010/main" xmlns="" w="9525">
                   <a:solidFill>
                     <a:srgbClr val="000000"/>
                   </a:solidFill>
@@ -1613,7 +1614,7 @@
             </a:ln>
             <a:extLst>
               <a:ext uri="{91240B29-F687-4f45-9708-019B960494DF}">
-                <a14:hiddenLine xmlns="" xmlns:a14="http://schemas.microsoft.com/office/drawing/2010/main" w="9525">
+                <a14:hiddenLine xmlns:a14="http://schemas.microsoft.com/office/drawing/2010/main" xmlns="" w="9525">
                   <a:solidFill>
                     <a:srgbClr val="000000"/>
                   </a:solidFill>
@@ -1703,7 +1704,7 @@
             </a:ln>
             <a:extLst>
               <a:ext uri="{91240B29-F687-4f45-9708-019B960494DF}">
-                <a14:hiddenLine xmlns="" xmlns:a14="http://schemas.microsoft.com/office/drawing/2010/main" w="9525">
+                <a14:hiddenLine xmlns:a14="http://schemas.microsoft.com/office/drawing/2010/main" xmlns="" w="9525">
                   <a:solidFill>
                     <a:srgbClr val="000000"/>
                   </a:solidFill>
@@ -1759,7 +1760,7 @@
             </a:ln>
             <a:extLst>
               <a:ext uri="{91240B29-F687-4f45-9708-019B960494DF}">
-                <a14:hiddenLine xmlns="" xmlns:a14="http://schemas.microsoft.com/office/drawing/2010/main" w="9525">
+                <a14:hiddenLine xmlns:a14="http://schemas.microsoft.com/office/drawing/2010/main" xmlns="" w="9525">
                   <a:solidFill>
                     <a:srgbClr val="000000"/>
                   </a:solidFill>
@@ -1849,7 +1850,7 @@
             </a:ln>
             <a:extLst>
               <a:ext uri="{91240B29-F687-4f45-9708-019B960494DF}">
-                <a14:hiddenLine xmlns="" xmlns:a14="http://schemas.microsoft.com/office/drawing/2010/main" w="9525">
+                <a14:hiddenLine xmlns:a14="http://schemas.microsoft.com/office/drawing/2010/main" xmlns="" w="9525">
                   <a:solidFill>
                     <a:srgbClr val="000000"/>
                   </a:solidFill>
@@ -1905,7 +1906,7 @@
             </a:ln>
             <a:extLst>
               <a:ext uri="{91240B29-F687-4f45-9708-019B960494DF}">
-                <a14:hiddenLine xmlns="" xmlns:a14="http://schemas.microsoft.com/office/drawing/2010/main" w="9525">
+                <a14:hiddenLine xmlns:a14="http://schemas.microsoft.com/office/drawing/2010/main" xmlns="" w="9525">
                   <a:solidFill>
                     <a:srgbClr val="000000"/>
                   </a:solidFill>
@@ -1995,7 +1996,7 @@
             </a:ln>
             <a:extLst>
               <a:ext uri="{91240B29-F687-4f45-9708-019B960494DF}">
-                <a14:hiddenLine xmlns="" xmlns:a14="http://schemas.microsoft.com/office/drawing/2010/main" w="9525">
+                <a14:hiddenLine xmlns:a14="http://schemas.microsoft.com/office/drawing/2010/main" xmlns="" w="9525">
                   <a:solidFill>
                     <a:srgbClr val="000000"/>
                   </a:solidFill>
@@ -2063,7 +2064,7 @@
             </a:ln>
             <a:extLst>
               <a:ext uri="{91240B29-F687-4f45-9708-019B960494DF}">
-                <a14:hiddenLine xmlns="" xmlns:a14="http://schemas.microsoft.com/office/drawing/2010/main" w="9525">
+                <a14:hiddenLine xmlns:a14="http://schemas.microsoft.com/office/drawing/2010/main" xmlns="" w="9525">
                   <a:solidFill>
                     <a:srgbClr val="000000"/>
                   </a:solidFill>
@@ -2153,7 +2154,7 @@
             </a:ln>
             <a:extLst>
               <a:ext uri="{91240B29-F687-4f45-9708-019B960494DF}">
-                <a14:hiddenLine xmlns="" xmlns:a14="http://schemas.microsoft.com/office/drawing/2010/main" w="9525">
+                <a14:hiddenLine xmlns:a14="http://schemas.microsoft.com/office/drawing/2010/main" xmlns="" w="9525">
                   <a:solidFill>
                     <a:srgbClr val="000000"/>
                   </a:solidFill>
@@ -2221,7 +2222,7 @@
             </a:ln>
             <a:extLst>
               <a:ext uri="{91240B29-F687-4f45-9708-019B960494DF}">
-                <a14:hiddenLine xmlns="" xmlns:a14="http://schemas.microsoft.com/office/drawing/2010/main" w="9525">
+                <a14:hiddenLine xmlns:a14="http://schemas.microsoft.com/office/drawing/2010/main" xmlns="" w="9525">
                   <a:solidFill>
                     <a:srgbClr val="000000"/>
                   </a:solidFill>
@@ -2311,7 +2312,7 @@
             </a:ln>
             <a:extLst>
               <a:ext uri="{91240B29-F687-4f45-9708-019B960494DF}">
-                <a14:hiddenLine xmlns="" xmlns:a14="http://schemas.microsoft.com/office/drawing/2010/main" w="9525">
+                <a14:hiddenLine xmlns:a14="http://schemas.microsoft.com/office/drawing/2010/main" xmlns="" w="9525">
                   <a:solidFill>
                     <a:srgbClr val="000000"/>
                   </a:solidFill>
@@ -2345,7 +2346,7 @@
             </a:ln>
             <a:extLst>
               <a:ext uri="{91240B29-F687-4f45-9708-019B960494DF}">
-                <a14:hiddenLine xmlns="" xmlns:a14="http://schemas.microsoft.com/office/drawing/2010/main" w="9525">
+                <a14:hiddenLine xmlns:a14="http://schemas.microsoft.com/office/drawing/2010/main" xmlns="" w="9525">
                   <a:solidFill>
                     <a:srgbClr val="000000"/>
                   </a:solidFill>
@@ -2435,7 +2436,7 @@
             </a:ln>
             <a:extLst>
               <a:ext uri="{91240B29-F687-4f45-9708-019B960494DF}">
-                <a14:hiddenLine xmlns="" xmlns:a14="http://schemas.microsoft.com/office/drawing/2010/main" w="9525">
+                <a14:hiddenLine xmlns:a14="http://schemas.microsoft.com/office/drawing/2010/main" xmlns="" w="9525">
                   <a:solidFill>
                     <a:srgbClr val="000000"/>
                   </a:solidFill>
@@ -2497,7 +2498,7 @@
             </a:ln>
             <a:extLst>
               <a:ext uri="{91240B29-F687-4f45-9708-019B960494DF}">
-                <a14:hiddenLine xmlns="" xmlns:a14="http://schemas.microsoft.com/office/drawing/2010/main" w="9525">
+                <a14:hiddenLine xmlns:a14="http://schemas.microsoft.com/office/drawing/2010/main" xmlns="" w="9525">
                   <a:solidFill>
                     <a:srgbClr val="000000"/>
                   </a:solidFill>
@@ -2559,7 +2560,7 @@
             </a:ln>
             <a:extLst>
               <a:ext uri="{91240B29-F687-4f45-9708-019B960494DF}">
-                <a14:hiddenLine xmlns="" xmlns:a14="http://schemas.microsoft.com/office/drawing/2010/main" w="9525">
+                <a14:hiddenLine xmlns:a14="http://schemas.microsoft.com/office/drawing/2010/main" xmlns="" w="9525">
                   <a:solidFill>
                     <a:srgbClr val="000000"/>
                   </a:solidFill>
@@ -2649,7 +2650,7 @@
             </a:ln>
             <a:extLst>
               <a:ext uri="{91240B29-F687-4f45-9708-019B960494DF}">
-                <a14:hiddenLine xmlns="" xmlns:a14="http://schemas.microsoft.com/office/drawing/2010/main" w="9525">
+                <a14:hiddenLine xmlns:a14="http://schemas.microsoft.com/office/drawing/2010/main" xmlns="" w="9525">
                   <a:solidFill>
                     <a:srgbClr val="000000"/>
                   </a:solidFill>
@@ -2717,7 +2718,7 @@
             </a:ln>
             <a:extLst>
               <a:ext uri="{91240B29-F687-4f45-9708-019B960494DF}">
-                <a14:hiddenLine xmlns="" xmlns:a14="http://schemas.microsoft.com/office/drawing/2010/main" w="9525">
+                <a14:hiddenLine xmlns:a14="http://schemas.microsoft.com/office/drawing/2010/main" xmlns="" w="9525">
                   <a:solidFill>
                     <a:srgbClr val="000000"/>
                   </a:solidFill>
@@ -2779,7 +2780,7 @@
             </a:ln>
             <a:extLst>
               <a:ext uri="{91240B29-F687-4f45-9708-019B960494DF}">
-                <a14:hiddenLine xmlns="" xmlns:a14="http://schemas.microsoft.com/office/drawing/2010/main" w="9525">
+                <a14:hiddenLine xmlns:a14="http://schemas.microsoft.com/office/drawing/2010/main" xmlns="" w="9525">
                   <a:solidFill>
                     <a:srgbClr val="000000"/>
                   </a:solidFill>
@@ -2869,7 +2870,7 @@
             </a:ln>
             <a:extLst>
               <a:ext uri="{91240B29-F687-4f45-9708-019B960494DF}">
-                <a14:hiddenLine xmlns="" xmlns:a14="http://schemas.microsoft.com/office/drawing/2010/main" w="9525">
+                <a14:hiddenLine xmlns:a14="http://schemas.microsoft.com/office/drawing/2010/main" xmlns="" w="9525">
                   <a:solidFill>
                     <a:srgbClr val="000000"/>
                   </a:solidFill>
@@ -2931,7 +2932,7 @@
             </a:ln>
             <a:extLst>
               <a:ext uri="{91240B29-F687-4f45-9708-019B960494DF}">
-                <a14:hiddenLine xmlns="" xmlns:a14="http://schemas.microsoft.com/office/drawing/2010/main" w="9525">
+                <a14:hiddenLine xmlns:a14="http://schemas.microsoft.com/office/drawing/2010/main" xmlns="" w="9525">
                   <a:solidFill>
                     <a:srgbClr val="000000"/>
                   </a:solidFill>
@@ -3021,7 +3022,7 @@
             </a:ln>
             <a:extLst>
               <a:ext uri="{91240B29-F687-4f45-9708-019B960494DF}">
-                <a14:hiddenLine xmlns="" xmlns:a14="http://schemas.microsoft.com/office/drawing/2010/main" w="9525">
+                <a14:hiddenLine xmlns:a14="http://schemas.microsoft.com/office/drawing/2010/main" xmlns="" w="9525">
                   <a:solidFill>
                     <a:srgbClr val="000000"/>
                   </a:solidFill>
@@ -3083,7 +3084,7 @@
             </a:ln>
             <a:extLst>
               <a:ext uri="{91240B29-F687-4f45-9708-019B960494DF}">
-                <a14:hiddenLine xmlns="" xmlns:a14="http://schemas.microsoft.com/office/drawing/2010/main" w="9525">
+                <a14:hiddenLine xmlns:a14="http://schemas.microsoft.com/office/drawing/2010/main" xmlns="" w="9525">
                   <a:solidFill>
                     <a:srgbClr val="000000"/>
                   </a:solidFill>
@@ -3173,7 +3174,7 @@
             </a:ln>
             <a:extLst>
               <a:ext uri="{91240B29-F687-4f45-9708-019B960494DF}">
-                <a14:hiddenLine xmlns="" xmlns:a14="http://schemas.microsoft.com/office/drawing/2010/main" w="9525">
+                <a14:hiddenLine xmlns:a14="http://schemas.microsoft.com/office/drawing/2010/main" xmlns="" w="9525">
                   <a:solidFill>
                     <a:srgbClr val="000000"/>
                   </a:solidFill>
@@ -3207,7 +3208,7 @@
             </a:ln>
             <a:extLst>
               <a:ext uri="{91240B29-F687-4f45-9708-019B960494DF}">
-                <a14:hiddenLine xmlns="" xmlns:a14="http://schemas.microsoft.com/office/drawing/2010/main" w="9525">
+                <a14:hiddenLine xmlns:a14="http://schemas.microsoft.com/office/drawing/2010/main" xmlns="" w="9525">
                   <a:solidFill>
                     <a:srgbClr val="000000"/>
                   </a:solidFill>
@@ -3272,7 +3273,7 @@
             </a:ln>
             <a:extLst>
               <a:ext uri="{91240B29-F687-4f45-9708-019B960494DF}">
-                <a14:hiddenLine xmlns="" xmlns:a14="http://schemas.microsoft.com/office/drawing/2010/main" w="9525">
+                <a14:hiddenLine xmlns:a14="http://schemas.microsoft.com/office/drawing/2010/main" xmlns="" w="9525">
                   <a:solidFill>
                     <a:srgbClr val="000000"/>
                   </a:solidFill>
@@ -3362,7 +3363,7 @@
             </a:ln>
             <a:extLst>
               <a:ext uri="{91240B29-F687-4f45-9708-019B960494DF}">
-                <a14:hiddenLine xmlns="" xmlns:a14="http://schemas.microsoft.com/office/drawing/2010/main" w="9525">
+                <a14:hiddenLine xmlns:a14="http://schemas.microsoft.com/office/drawing/2010/main" xmlns="" w="9525">
                   <a:solidFill>
                     <a:srgbClr val="000000"/>
                   </a:solidFill>
@@ -3424,7 +3425,7 @@
             </a:ln>
             <a:extLst>
               <a:ext uri="{91240B29-F687-4f45-9708-019B960494DF}">
-                <a14:hiddenLine xmlns="" xmlns:a14="http://schemas.microsoft.com/office/drawing/2010/main" w="9525">
+                <a14:hiddenLine xmlns:a14="http://schemas.microsoft.com/office/drawing/2010/main" xmlns="" w="9525">
                   <a:solidFill>
                     <a:srgbClr val="000000"/>
                   </a:solidFill>
@@ -3514,7 +3515,7 @@
             </a:ln>
             <a:extLst>
               <a:ext uri="{91240B29-F687-4f45-9708-019B960494DF}">
-                <a14:hiddenLine xmlns="" xmlns:a14="http://schemas.microsoft.com/office/drawing/2010/main" w="9525">
+                <a14:hiddenLine xmlns:a14="http://schemas.microsoft.com/office/drawing/2010/main" xmlns="" w="9525">
                   <a:solidFill>
                     <a:srgbClr val="000000"/>
                   </a:solidFill>
@@ -3604,7 +3605,7 @@
             </a:ln>
             <a:extLst>
               <a:ext uri="{91240B29-F687-4f45-9708-019B960494DF}">
-                <a14:hiddenLine xmlns="" xmlns:a14="http://schemas.microsoft.com/office/drawing/2010/main" w="9525">
+                <a14:hiddenLine xmlns:a14="http://schemas.microsoft.com/office/drawing/2010/main" xmlns="" w="9525">
                   <a:solidFill>
                     <a:srgbClr val="000000"/>
                   </a:solidFill>
@@ -3669,7 +3670,7 @@
             </a:ln>
             <a:extLst>
               <a:ext uri="{91240B29-F687-4f45-9708-019B960494DF}">
-                <a14:hiddenLine xmlns="" xmlns:a14="http://schemas.microsoft.com/office/drawing/2010/main" w="9525">
+                <a14:hiddenLine xmlns:a14="http://schemas.microsoft.com/office/drawing/2010/main" xmlns="" w="9525">
                   <a:solidFill>
                     <a:srgbClr val="000000"/>
                   </a:solidFill>
@@ -3731,7 +3732,7 @@
             </a:ln>
             <a:extLst>
               <a:ext uri="{91240B29-F687-4f45-9708-019B960494DF}">
-                <a14:hiddenLine xmlns="" xmlns:a14="http://schemas.microsoft.com/office/drawing/2010/main" w="9525">
+                <a14:hiddenLine xmlns:a14="http://schemas.microsoft.com/office/drawing/2010/main" xmlns="" w="9525">
                   <a:solidFill>
                     <a:srgbClr val="000000"/>
                   </a:solidFill>
@@ -3821,7 +3822,7 @@
             </a:ln>
             <a:extLst>
               <a:ext uri="{91240B29-F687-4f45-9708-019B960494DF}">
-                <a14:hiddenLine xmlns="" xmlns:a14="http://schemas.microsoft.com/office/drawing/2010/main" w="9525">
+                <a14:hiddenLine xmlns:a14="http://schemas.microsoft.com/office/drawing/2010/main" xmlns="" w="9525">
                   <a:solidFill>
                     <a:srgbClr val="000000"/>
                   </a:solidFill>
@@ -3911,7 +3912,7 @@
             </a:ln>
             <a:extLst>
               <a:ext uri="{91240B29-F687-4f45-9708-019B960494DF}">
-                <a14:hiddenLine xmlns="" xmlns:a14="http://schemas.microsoft.com/office/drawing/2010/main" w="9525">
+                <a14:hiddenLine xmlns:a14="http://schemas.microsoft.com/office/drawing/2010/main" xmlns="" w="9525">
                   <a:solidFill>
                     <a:srgbClr val="000000"/>
                   </a:solidFill>
@@ -3973,7 +3974,7 @@
             </a:ln>
             <a:extLst>
               <a:ext uri="{91240B29-F687-4f45-9708-019B960494DF}">
-                <a14:hiddenLine xmlns="" xmlns:a14="http://schemas.microsoft.com/office/drawing/2010/main" w="9525">
+                <a14:hiddenLine xmlns:a14="http://schemas.microsoft.com/office/drawing/2010/main" xmlns="" w="9525">
                   <a:solidFill>
                     <a:srgbClr val="000000"/>
                   </a:solidFill>
@@ -4093,7 +4094,7 @@
             </a:ln>
             <a:extLst>
               <a:ext uri="{91240B29-F687-4f45-9708-019B960494DF}">
-                <a14:hiddenLine xmlns="" xmlns:a14="http://schemas.microsoft.com/office/drawing/2010/main" w="9525">
+                <a14:hiddenLine xmlns:a14="http://schemas.microsoft.com/office/drawing/2010/main" xmlns="" w="9525">
                   <a:solidFill>
                     <a:srgbClr val="000000"/>
                   </a:solidFill>
@@ -4161,7 +4162,7 @@
             </a:ln>
             <a:extLst>
               <a:ext uri="{91240B29-F687-4f45-9708-019B960494DF}">
-                <a14:hiddenLine xmlns="" xmlns:a14="http://schemas.microsoft.com/office/drawing/2010/main" w="9525">
+                <a14:hiddenLine xmlns:a14="http://schemas.microsoft.com/office/drawing/2010/main" xmlns="" w="9525">
                   <a:solidFill>
                     <a:srgbClr val="000000"/>
                   </a:solidFill>
@@ -4251,7 +4252,7 @@
             </a:ln>
             <a:extLst>
               <a:ext uri="{91240B29-F687-4f45-9708-019B960494DF}">
-                <a14:hiddenLine xmlns="" xmlns:a14="http://schemas.microsoft.com/office/drawing/2010/main" w="9525">
+                <a14:hiddenLine xmlns:a14="http://schemas.microsoft.com/office/drawing/2010/main" xmlns="" w="9525">
                   <a:solidFill>
                     <a:srgbClr val="000000"/>
                   </a:solidFill>
@@ -4391,7 +4392,7 @@
           <a:p>
             <a:fld id="{5C82F753-B85D-4127-A302-BF64662FD580}" type="datetimeFigureOut">
               <a:rPr lang="el-GR" smtClean="0"/>
-              <a:t>10/8/2020</a:t>
+              <a:t>11/8/2020</a:t>
             </a:fld>
             <a:endParaRPr lang="el-GR"/>
           </a:p>
@@ -4658,7 +4659,7 @@
           <a:p>
             <a:fld id="{5C82F753-B85D-4127-A302-BF64662FD580}" type="datetimeFigureOut">
               <a:rPr lang="el-GR" smtClean="0"/>
-              <a:t>10/8/2020</a:t>
+              <a:t>11/8/2020</a:t>
             </a:fld>
             <a:endParaRPr lang="el-GR"/>
           </a:p>
@@ -4854,7 +4855,7 @@
           <a:p>
             <a:fld id="{5C82F753-B85D-4127-A302-BF64662FD580}" type="datetimeFigureOut">
               <a:rPr lang="el-GR" smtClean="0"/>
-              <a:t>10/8/2020</a:t>
+              <a:t>11/8/2020</a:t>
             </a:fld>
             <a:endParaRPr lang="el-GR"/>
           </a:p>
@@ -5117,7 +5118,7 @@
           <a:p>
             <a:fld id="{5C82F753-B85D-4127-A302-BF64662FD580}" type="datetimeFigureOut">
               <a:rPr lang="el-GR" smtClean="0"/>
-              <a:t>10/8/2020</a:t>
+              <a:t>11/8/2020</a:t>
             </a:fld>
             <a:endParaRPr lang="el-GR"/>
           </a:p>
@@ -5551,7 +5552,7 @@
           <a:p>
             <a:fld id="{5C82F753-B85D-4127-A302-BF64662FD580}" type="datetimeFigureOut">
               <a:rPr lang="el-GR" smtClean="0"/>
-              <a:t>10/8/2020</a:t>
+              <a:t>11/8/2020</a:t>
             </a:fld>
             <a:endParaRPr lang="el-GR"/>
           </a:p>
@@ -6097,7 +6098,7 @@
           <a:p>
             <a:fld id="{5C82F753-B85D-4127-A302-BF64662FD580}" type="datetimeFigureOut">
               <a:rPr lang="el-GR" smtClean="0"/>
-              <a:t>10/8/2020</a:t>
+              <a:t>11/8/2020</a:t>
             </a:fld>
             <a:endParaRPr lang="el-GR"/>
           </a:p>
@@ -6817,7 +6818,7 @@
           <a:p>
             <a:fld id="{5C82F753-B85D-4127-A302-BF64662FD580}" type="datetimeFigureOut">
               <a:rPr lang="el-GR" smtClean="0"/>
-              <a:t>10/8/2020</a:t>
+              <a:t>11/8/2020</a:t>
             </a:fld>
             <a:endParaRPr lang="el-GR"/>
           </a:p>
@@ -6987,7 +6988,7 @@
           <a:p>
             <a:fld id="{5C82F753-B85D-4127-A302-BF64662FD580}" type="datetimeFigureOut">
               <a:rPr lang="el-GR" smtClean="0"/>
-              <a:t>10/8/2020</a:t>
+              <a:t>11/8/2020</a:t>
             </a:fld>
             <a:endParaRPr lang="el-GR"/>
           </a:p>
@@ -7167,7 +7168,7 @@
           <a:p>
             <a:fld id="{5C82F753-B85D-4127-A302-BF64662FD580}" type="datetimeFigureOut">
               <a:rPr lang="el-GR" smtClean="0"/>
-              <a:t>10/8/2020</a:t>
+              <a:t>11/8/2020</a:t>
             </a:fld>
             <a:endParaRPr lang="el-GR"/>
           </a:p>
@@ -7337,7 +7338,7 @@
           <a:p>
             <a:fld id="{5C82F753-B85D-4127-A302-BF64662FD580}" type="datetimeFigureOut">
               <a:rPr lang="el-GR" smtClean="0"/>
-              <a:t>10/8/2020</a:t>
+              <a:t>11/8/2020</a:t>
             </a:fld>
             <a:endParaRPr lang="el-GR"/>
           </a:p>
@@ -7587,7 +7588,7 @@
           <a:p>
             <a:fld id="{5C82F753-B85D-4127-A302-BF64662FD580}" type="datetimeFigureOut">
               <a:rPr lang="el-GR" smtClean="0"/>
-              <a:t>10/8/2020</a:t>
+              <a:t>11/8/2020</a:t>
             </a:fld>
             <a:endParaRPr lang="el-GR"/>
           </a:p>
@@ -7819,7 +7820,7 @@
           <a:p>
             <a:fld id="{5C82F753-B85D-4127-A302-BF64662FD580}" type="datetimeFigureOut">
               <a:rPr lang="el-GR" smtClean="0"/>
-              <a:t>10/8/2020</a:t>
+              <a:t>11/8/2020</a:t>
             </a:fld>
             <a:endParaRPr lang="el-GR"/>
           </a:p>
@@ -8200,7 +8201,7 @@
           <a:p>
             <a:fld id="{5C82F753-B85D-4127-A302-BF64662FD580}" type="datetimeFigureOut">
               <a:rPr lang="el-GR" smtClean="0"/>
-              <a:t>10/8/2020</a:t>
+              <a:t>11/8/2020</a:t>
             </a:fld>
             <a:endParaRPr lang="el-GR"/>
           </a:p>
@@ -8318,7 +8319,7 @@
           <a:p>
             <a:fld id="{5C82F753-B85D-4127-A302-BF64662FD580}" type="datetimeFigureOut">
               <a:rPr lang="el-GR" smtClean="0"/>
-              <a:t>10/8/2020</a:t>
+              <a:t>11/8/2020</a:t>
             </a:fld>
             <a:endParaRPr lang="el-GR"/>
           </a:p>
@@ -8413,7 +8414,7 @@
           <a:p>
             <a:fld id="{5C82F753-B85D-4127-A302-BF64662FD580}" type="datetimeFigureOut">
               <a:rPr lang="el-GR" smtClean="0"/>
-              <a:t>10/8/2020</a:t>
+              <a:t>11/8/2020</a:t>
             </a:fld>
             <a:endParaRPr lang="el-GR"/>
           </a:p>
@@ -8662,7 +8663,7 @@
           <a:p>
             <a:fld id="{5C82F753-B85D-4127-A302-BF64662FD580}" type="datetimeFigureOut">
               <a:rPr lang="el-GR" smtClean="0"/>
-              <a:t>10/8/2020</a:t>
+              <a:t>11/8/2020</a:t>
             </a:fld>
             <a:endParaRPr lang="el-GR"/>
           </a:p>
@@ -8942,7 +8943,7 @@
           <a:p>
             <a:fld id="{5C82F753-B85D-4127-A302-BF64662FD580}" type="datetimeFigureOut">
               <a:rPr lang="el-GR" smtClean="0"/>
-              <a:t>10/8/2020</a:t>
+              <a:t>11/8/2020</a:t>
             </a:fld>
             <a:endParaRPr lang="el-GR"/>
           </a:p>
@@ -9058,7 +9059,7 @@
           <a:noFill/>
           <a:extLst>
             <a:ext uri="{909E8E84-426E-40dd-AFC4-6F175D3DCCD1}">
-              <a14:hiddenFill xmlns="" xmlns:a14="http://schemas.microsoft.com/office/drawing/2010/main">
+              <a14:hiddenFill xmlns:a14="http://schemas.microsoft.com/office/drawing/2010/main" xmlns="">
                 <a:solidFill>
                   <a:srgbClr val="FFFFFF"/>
                 </a:solidFill>
@@ -9132,7 +9133,7 @@
               </a:ln>
               <a:extLst>
                 <a:ext uri="{91240B29-F687-4f45-9708-019B960494DF}">
-                  <a14:hiddenLine xmlns="" xmlns:a14="http://schemas.microsoft.com/office/drawing/2010/main" w="9525">
+                  <a14:hiddenLine xmlns:a14="http://schemas.microsoft.com/office/drawing/2010/main" xmlns="" w="9525">
                     <a:solidFill>
                       <a:srgbClr val="000000"/>
                     </a:solidFill>
@@ -9222,7 +9223,7 @@
               </a:ln>
               <a:extLst>
                 <a:ext uri="{91240B29-F687-4f45-9708-019B960494DF}">
-                  <a14:hiddenLine xmlns="" xmlns:a14="http://schemas.microsoft.com/office/drawing/2010/main" w="9525">
+                  <a14:hiddenLine xmlns:a14="http://schemas.microsoft.com/office/drawing/2010/main" xmlns="" w="9525">
                     <a:solidFill>
                       <a:srgbClr val="000000"/>
                     </a:solidFill>
@@ -9312,7 +9313,7 @@
               </a:ln>
               <a:extLst>
                 <a:ext uri="{91240B29-F687-4f45-9708-019B960494DF}">
-                  <a14:hiddenLine xmlns="" xmlns:a14="http://schemas.microsoft.com/office/drawing/2010/main" w="9525">
+                  <a14:hiddenLine xmlns:a14="http://schemas.microsoft.com/office/drawing/2010/main" xmlns="" w="9525">
                     <a:solidFill>
                       <a:srgbClr val="000000"/>
                     </a:solidFill>
@@ -9374,7 +9375,7 @@
               </a:ln>
               <a:extLst>
                 <a:ext uri="{91240B29-F687-4f45-9708-019B960494DF}">
-                  <a14:hiddenLine xmlns="" xmlns:a14="http://schemas.microsoft.com/office/drawing/2010/main" w="9525">
+                  <a14:hiddenLine xmlns:a14="http://schemas.microsoft.com/office/drawing/2010/main" xmlns="" w="9525">
                     <a:solidFill>
                       <a:srgbClr val="000000"/>
                     </a:solidFill>
@@ -9464,7 +9465,7 @@
               </a:ln>
               <a:extLst>
                 <a:ext uri="{91240B29-F687-4f45-9708-019B960494DF}">
-                  <a14:hiddenLine xmlns="" xmlns:a14="http://schemas.microsoft.com/office/drawing/2010/main" w="9525">
+                  <a14:hiddenLine xmlns:a14="http://schemas.microsoft.com/office/drawing/2010/main" xmlns="" w="9525">
                     <a:solidFill>
                       <a:srgbClr val="000000"/>
                     </a:solidFill>
@@ -9526,7 +9527,7 @@
               </a:ln>
               <a:extLst>
                 <a:ext uri="{91240B29-F687-4f45-9708-019B960494DF}">
-                  <a14:hiddenLine xmlns="" xmlns:a14="http://schemas.microsoft.com/office/drawing/2010/main" w="9525">
+                  <a14:hiddenLine xmlns:a14="http://schemas.microsoft.com/office/drawing/2010/main" xmlns="" w="9525">
                     <a:solidFill>
                       <a:srgbClr val="000000"/>
                     </a:solidFill>
@@ -9588,7 +9589,7 @@
               </a:ln>
               <a:extLst>
                 <a:ext uri="{91240B29-F687-4f45-9708-019B960494DF}">
-                  <a14:hiddenLine xmlns="" xmlns:a14="http://schemas.microsoft.com/office/drawing/2010/main" w="9525">
+                  <a14:hiddenLine xmlns:a14="http://schemas.microsoft.com/office/drawing/2010/main" xmlns="" w="9525">
                     <a:solidFill>
                       <a:srgbClr val="000000"/>
                     </a:solidFill>
@@ -9678,7 +9679,7 @@
               </a:ln>
               <a:extLst>
                 <a:ext uri="{91240B29-F687-4f45-9708-019B960494DF}">
-                  <a14:hiddenLine xmlns="" xmlns:a14="http://schemas.microsoft.com/office/drawing/2010/main" w="9525">
+                  <a14:hiddenLine xmlns:a14="http://schemas.microsoft.com/office/drawing/2010/main" xmlns="" w="9525">
                     <a:solidFill>
                       <a:srgbClr val="000000"/>
                     </a:solidFill>
@@ -9768,7 +9769,7 @@
               </a:ln>
               <a:extLst>
                 <a:ext uri="{91240B29-F687-4f45-9708-019B960494DF}">
-                  <a14:hiddenLine xmlns="" xmlns:a14="http://schemas.microsoft.com/office/drawing/2010/main" w="9525">
+                  <a14:hiddenLine xmlns:a14="http://schemas.microsoft.com/office/drawing/2010/main" xmlns="" w="9525">
                     <a:solidFill>
                       <a:srgbClr val="000000"/>
                     </a:solidFill>
@@ -9830,7 +9831,7 @@
               </a:ln>
               <a:extLst>
                 <a:ext uri="{91240B29-F687-4f45-9708-019B960494DF}">
-                  <a14:hiddenLine xmlns="" xmlns:a14="http://schemas.microsoft.com/office/drawing/2010/main" w="9525">
+                  <a14:hiddenLine xmlns:a14="http://schemas.microsoft.com/office/drawing/2010/main" xmlns="" w="9525">
                     <a:solidFill>
                       <a:srgbClr val="000000"/>
                     </a:solidFill>
@@ -9940,7 +9941,7 @@
               </a:ln>
               <a:extLst>
                 <a:ext uri="{91240B29-F687-4f45-9708-019B960494DF}">
-                  <a14:hiddenLine xmlns="" xmlns:a14="http://schemas.microsoft.com/office/drawing/2010/main" w="9525">
+                  <a14:hiddenLine xmlns:a14="http://schemas.microsoft.com/office/drawing/2010/main" xmlns="" w="9525">
                     <a:solidFill>
                       <a:srgbClr val="000000"/>
                     </a:solidFill>
@@ -10024,7 +10025,7 @@
               </a:ln>
               <a:extLst>
                 <a:ext uri="{91240B29-F687-4f45-9708-019B960494DF}">
-                  <a14:hiddenLine xmlns="" xmlns:a14="http://schemas.microsoft.com/office/drawing/2010/main" w="9525">
+                  <a14:hiddenLine xmlns:a14="http://schemas.microsoft.com/office/drawing/2010/main" xmlns="" w="9525">
                     <a:solidFill>
                       <a:srgbClr val="000000"/>
                     </a:solidFill>
@@ -10086,7 +10087,7 @@
               </a:ln>
               <a:extLst>
                 <a:ext uri="{91240B29-F687-4f45-9708-019B960494DF}">
-                  <a14:hiddenLine xmlns="" xmlns:a14="http://schemas.microsoft.com/office/drawing/2010/main" w="9525">
+                  <a14:hiddenLine xmlns:a14="http://schemas.microsoft.com/office/drawing/2010/main" xmlns="" w="9525">
                     <a:solidFill>
                       <a:srgbClr val="000000"/>
                     </a:solidFill>
@@ -10148,7 +10149,7 @@
               </a:ln>
               <a:extLst>
                 <a:ext uri="{91240B29-F687-4f45-9708-019B960494DF}">
-                  <a14:hiddenLine xmlns="" xmlns:a14="http://schemas.microsoft.com/office/drawing/2010/main" w="9525">
+                  <a14:hiddenLine xmlns:a14="http://schemas.microsoft.com/office/drawing/2010/main" xmlns="" w="9525">
                     <a:solidFill>
                       <a:srgbClr val="000000"/>
                     </a:solidFill>
@@ -10238,7 +10239,7 @@
               </a:ln>
               <a:extLst>
                 <a:ext uri="{91240B29-F687-4f45-9708-019B960494DF}">
-                  <a14:hiddenLine xmlns="" xmlns:a14="http://schemas.microsoft.com/office/drawing/2010/main" w="9525">
+                  <a14:hiddenLine xmlns:a14="http://schemas.microsoft.com/office/drawing/2010/main" xmlns="" w="9525">
                     <a:solidFill>
                       <a:srgbClr val="000000"/>
                     </a:solidFill>
@@ -10272,7 +10273,7 @@
               </a:ln>
               <a:extLst>
                 <a:ext uri="{91240B29-F687-4f45-9708-019B960494DF}">
-                  <a14:hiddenLine xmlns="" xmlns:a14="http://schemas.microsoft.com/office/drawing/2010/main" w="9525">
+                  <a14:hiddenLine xmlns:a14="http://schemas.microsoft.com/office/drawing/2010/main" xmlns="" w="9525">
                     <a:solidFill>
                       <a:srgbClr val="000000"/>
                     </a:solidFill>
@@ -10337,7 +10338,7 @@
               </a:ln>
               <a:extLst>
                 <a:ext uri="{91240B29-F687-4f45-9708-019B960494DF}">
-                  <a14:hiddenLine xmlns="" xmlns:a14="http://schemas.microsoft.com/office/drawing/2010/main" w="9525">
+                  <a14:hiddenLine xmlns:a14="http://schemas.microsoft.com/office/drawing/2010/main" xmlns="" w="9525">
                     <a:solidFill>
                       <a:srgbClr val="000000"/>
                     </a:solidFill>
@@ -10427,7 +10428,7 @@
               </a:ln>
               <a:extLst>
                 <a:ext uri="{91240B29-F687-4f45-9708-019B960494DF}">
-                  <a14:hiddenLine xmlns="" xmlns:a14="http://schemas.microsoft.com/office/drawing/2010/main" w="9525">
+                  <a14:hiddenLine xmlns:a14="http://schemas.microsoft.com/office/drawing/2010/main" xmlns="" w="9525">
                     <a:solidFill>
                       <a:srgbClr val="000000"/>
                     </a:solidFill>
@@ -10489,7 +10490,7 @@
               </a:ln>
               <a:extLst>
                 <a:ext uri="{91240B29-F687-4f45-9708-019B960494DF}">
-                  <a14:hiddenLine xmlns="" xmlns:a14="http://schemas.microsoft.com/office/drawing/2010/main" w="9525">
+                  <a14:hiddenLine xmlns:a14="http://schemas.microsoft.com/office/drawing/2010/main" xmlns="" w="9525">
                     <a:solidFill>
                       <a:srgbClr val="000000"/>
                     </a:solidFill>
@@ -10579,7 +10580,7 @@
               </a:ln>
               <a:extLst>
                 <a:ext uri="{91240B29-F687-4f45-9708-019B960494DF}">
-                  <a14:hiddenLine xmlns="" xmlns:a14="http://schemas.microsoft.com/office/drawing/2010/main" w="9525">
+                  <a14:hiddenLine xmlns:a14="http://schemas.microsoft.com/office/drawing/2010/main" xmlns="" w="9525">
                     <a:solidFill>
                       <a:srgbClr val="000000"/>
                     </a:solidFill>
@@ -10644,7 +10645,7 @@
               </a:ln>
               <a:extLst>
                 <a:ext uri="{91240B29-F687-4f45-9708-019B960494DF}">
-                  <a14:hiddenLine xmlns="" xmlns:a14="http://schemas.microsoft.com/office/drawing/2010/main" w="9525">
+                  <a14:hiddenLine xmlns:a14="http://schemas.microsoft.com/office/drawing/2010/main" xmlns="" w="9525">
                     <a:solidFill>
                       <a:srgbClr val="000000"/>
                     </a:solidFill>
@@ -10706,7 +10707,7 @@
               </a:ln>
               <a:extLst>
                 <a:ext uri="{91240B29-F687-4f45-9708-019B960494DF}">
-                  <a14:hiddenLine xmlns="" xmlns:a14="http://schemas.microsoft.com/office/drawing/2010/main" w="9525">
+                  <a14:hiddenLine xmlns:a14="http://schemas.microsoft.com/office/drawing/2010/main" xmlns="" w="9525">
                     <a:solidFill>
                       <a:srgbClr val="000000"/>
                     </a:solidFill>
@@ -10796,7 +10797,7 @@
               </a:ln>
               <a:extLst>
                 <a:ext uri="{91240B29-F687-4f45-9708-019B960494DF}">
-                  <a14:hiddenLine xmlns="" xmlns:a14="http://schemas.microsoft.com/office/drawing/2010/main" w="9525">
+                  <a14:hiddenLine xmlns:a14="http://schemas.microsoft.com/office/drawing/2010/main" xmlns="" w="9525">
                     <a:solidFill>
                       <a:srgbClr val="000000"/>
                     </a:solidFill>
@@ -10886,7 +10887,7 @@
               </a:ln>
               <a:extLst>
                 <a:ext uri="{91240B29-F687-4f45-9708-019B960494DF}">
-                  <a14:hiddenLine xmlns="" xmlns:a14="http://schemas.microsoft.com/office/drawing/2010/main" w="9525">
+                  <a14:hiddenLine xmlns:a14="http://schemas.microsoft.com/office/drawing/2010/main" xmlns="" w="9525">
                     <a:solidFill>
                       <a:srgbClr val="000000"/>
                     </a:solidFill>
@@ -10951,7 +10952,7 @@
               </a:ln>
               <a:extLst>
                 <a:ext uri="{91240B29-F687-4f45-9708-019B960494DF}">
-                  <a14:hiddenLine xmlns="" xmlns:a14="http://schemas.microsoft.com/office/drawing/2010/main" w="9525">
+                  <a14:hiddenLine xmlns:a14="http://schemas.microsoft.com/office/drawing/2010/main" xmlns="" w="9525">
                     <a:solidFill>
                       <a:srgbClr val="000000"/>
                     </a:solidFill>
@@ -11071,7 +11072,7 @@
               </a:ln>
               <a:extLst>
                 <a:ext uri="{91240B29-F687-4f45-9708-019B960494DF}">
-                  <a14:hiddenLine xmlns="" xmlns:a14="http://schemas.microsoft.com/office/drawing/2010/main" w="9525">
+                  <a14:hiddenLine xmlns:a14="http://schemas.microsoft.com/office/drawing/2010/main" xmlns="" w="9525">
                     <a:solidFill>
                       <a:srgbClr val="000000"/>
                     </a:solidFill>
@@ -11169,7 +11170,7 @@
               </a:ln>
               <a:extLst>
                 <a:ext uri="{91240B29-F687-4f45-9708-019B960494DF}">
-                  <a14:hiddenLine xmlns="" xmlns:a14="http://schemas.microsoft.com/office/drawing/2010/main" w="9525">
+                  <a14:hiddenLine xmlns:a14="http://schemas.microsoft.com/office/drawing/2010/main" xmlns="" w="9525">
                     <a:solidFill>
                       <a:srgbClr val="000000"/>
                     </a:solidFill>
@@ -11284,7 +11285,7 @@
               </a:ln>
               <a:extLst>
                 <a:ext uri="{91240B29-F687-4f45-9708-019B960494DF}">
-                  <a14:hiddenLine xmlns="" xmlns:a14="http://schemas.microsoft.com/office/drawing/2010/main" w="9525">
+                  <a14:hiddenLine xmlns:a14="http://schemas.microsoft.com/office/drawing/2010/main" xmlns="" w="9525">
                     <a:solidFill>
                       <a:srgbClr val="000000"/>
                     </a:solidFill>
@@ -11374,7 +11375,7 @@
               </a:ln>
               <a:extLst>
                 <a:ext uri="{91240B29-F687-4f45-9708-019B960494DF}">
-                  <a14:hiddenLine xmlns="" xmlns:a14="http://schemas.microsoft.com/office/drawing/2010/main" w="9525">
+                  <a14:hiddenLine xmlns:a14="http://schemas.microsoft.com/office/drawing/2010/main" xmlns="" w="9525">
                     <a:solidFill>
                       <a:srgbClr val="000000"/>
                     </a:solidFill>
@@ -11439,7 +11440,7 @@
               </a:ln>
               <a:extLst>
                 <a:ext uri="{91240B29-F687-4f45-9708-019B960494DF}">
-                  <a14:hiddenLine xmlns="" xmlns:a14="http://schemas.microsoft.com/office/drawing/2010/main" w="9525">
+                  <a14:hiddenLine xmlns:a14="http://schemas.microsoft.com/office/drawing/2010/main" xmlns="" w="9525">
                     <a:solidFill>
                       <a:srgbClr val="000000"/>
                     </a:solidFill>
@@ -11529,7 +11530,7 @@
               </a:ln>
               <a:extLst>
                 <a:ext uri="{91240B29-F687-4f45-9708-019B960494DF}">
-                  <a14:hiddenLine xmlns="" xmlns:a14="http://schemas.microsoft.com/office/drawing/2010/main" w="9525">
+                  <a14:hiddenLine xmlns:a14="http://schemas.microsoft.com/office/drawing/2010/main" xmlns="" w="9525">
                     <a:solidFill>
                       <a:srgbClr val="000000"/>
                     </a:solidFill>
@@ -11597,7 +11598,7 @@
               </a:ln>
               <a:extLst>
                 <a:ext uri="{91240B29-F687-4f45-9708-019B960494DF}">
-                  <a14:hiddenLine xmlns="" xmlns:a14="http://schemas.microsoft.com/office/drawing/2010/main" w="9525">
+                  <a14:hiddenLine xmlns:a14="http://schemas.microsoft.com/office/drawing/2010/main" xmlns="" w="9525">
                     <a:solidFill>
                       <a:srgbClr val="000000"/>
                     </a:solidFill>
@@ -11687,7 +11688,7 @@
               </a:ln>
               <a:extLst>
                 <a:ext uri="{91240B29-F687-4f45-9708-019B960494DF}">
-                  <a14:hiddenLine xmlns="" xmlns:a14="http://schemas.microsoft.com/office/drawing/2010/main" w="9525">
+                  <a14:hiddenLine xmlns:a14="http://schemas.microsoft.com/office/drawing/2010/main" xmlns="" w="9525">
                     <a:solidFill>
                       <a:srgbClr val="000000"/>
                     </a:solidFill>
@@ -11755,7 +11756,7 @@
               </a:ln>
               <a:extLst>
                 <a:ext uri="{91240B29-F687-4f45-9708-019B960494DF}">
-                  <a14:hiddenLine xmlns="" xmlns:a14="http://schemas.microsoft.com/office/drawing/2010/main" w="9525">
+                  <a14:hiddenLine xmlns:a14="http://schemas.microsoft.com/office/drawing/2010/main" xmlns="" w="9525">
                     <a:solidFill>
                       <a:srgbClr val="000000"/>
                     </a:solidFill>
@@ -11845,7 +11846,7 @@
               </a:ln>
               <a:extLst>
                 <a:ext uri="{91240B29-F687-4f45-9708-019B960494DF}">
-                  <a14:hiddenLine xmlns="" xmlns:a14="http://schemas.microsoft.com/office/drawing/2010/main" w="9525">
+                  <a14:hiddenLine xmlns:a14="http://schemas.microsoft.com/office/drawing/2010/main" xmlns="" w="9525">
                     <a:solidFill>
                       <a:srgbClr val="000000"/>
                     </a:solidFill>
@@ -11879,7 +11880,7 @@
               </a:ln>
               <a:extLst>
                 <a:ext uri="{91240B29-F687-4f45-9708-019B960494DF}">
-                  <a14:hiddenLine xmlns="" xmlns:a14="http://schemas.microsoft.com/office/drawing/2010/main" w="9525">
+                  <a14:hiddenLine xmlns:a14="http://schemas.microsoft.com/office/drawing/2010/main" xmlns="" w="9525">
                     <a:solidFill>
                       <a:srgbClr val="000000"/>
                     </a:solidFill>
@@ -12019,7 +12020,7 @@
           <a:p>
             <a:fld id="{5C82F753-B85D-4127-A302-BF64662FD580}" type="datetimeFigureOut">
               <a:rPr lang="el-GR" smtClean="0"/>
-              <a:t>10/8/2020</a:t>
+              <a:t>11/8/2020</a:t>
             </a:fld>
             <a:endParaRPr lang="el-GR"/>
           </a:p>
@@ -12465,12 +12466,8 @@
               <a:t>ΕΡΓΑΣΙΑ </a:t>
             </a:r>
             <a:r>
-              <a:rPr lang="en-US" dirty="0"/>
-              <a:t>NBA </a:t>
-            </a:r>
-            <a:r>
-              <a:rPr lang="en-US" dirty="0" err="1"/>
-              <a:t>Api</a:t>
+              <a:rPr lang="en-US"/>
+              <a:t>“FANS AND NBA TEAMS”</a:t>
             </a:r>
             <a:endParaRPr lang="el-GR" dirty="0"/>
           </a:p>
@@ -12544,6 +12541,127 @@
 </file>
 
 <file path=ppt/slides/slide2.xml><?xml version="1.0" encoding="utf-8"?>
+<p:sld xmlns:a="http://schemas.openxmlformats.org/drawingml/2006/main" xmlns:r="http://schemas.openxmlformats.org/officeDocument/2006/relationships" xmlns:p="http://schemas.openxmlformats.org/presentationml/2006/main">
+  <p:cSld>
+    <p:spTree>
+      <p:nvGrpSpPr>
+        <p:cNvPr id="1" name=""/>
+        <p:cNvGrpSpPr/>
+        <p:nvPr/>
+      </p:nvGrpSpPr>
+      <p:grpSpPr>
+        <a:xfrm>
+          <a:off x="0" y="0"/>
+          <a:ext cx="0" cy="0"/>
+          <a:chOff x="0" y="0"/>
+          <a:chExt cx="0" cy="0"/>
+        </a:xfrm>
+      </p:grpSpPr>
+      <p:sp>
+        <p:nvSpPr>
+          <p:cNvPr id="173" name="Title 1">
+            <a:extLst>
+              <a:ext uri="{FF2B5EF4-FFF2-40B4-BE49-F238E27FC236}">
+                <a16:creationId xmlns:a16="http://schemas.microsoft.com/office/drawing/2014/main" id="{0434A57E-E29B-4F2F-8C4B-0F42884ED2D0}"/>
+              </a:ext>
+            </a:extLst>
+          </p:cNvPr>
+          <p:cNvSpPr txBox="1">
+            <a:spLocks/>
+          </p:cNvSpPr>
+          <p:nvPr/>
+        </p:nvSpPr>
+        <p:spPr>
+          <a:xfrm>
+            <a:off x="1475042" y="-172590"/>
+            <a:ext cx="9905998" cy="1478570"/>
+          </a:xfrm>
+          <a:prstGeom prst="rect">
+            <a:avLst/>
+          </a:prstGeom>
+        </p:spPr>
+        <p:txBody>
+          <a:bodyPr vert="horz" lIns="91440" tIns="45720" rIns="91440" bIns="45720" rtlCol="0" anchor="ctr">
+            <a:normAutofit/>
+          </a:bodyPr>
+          <a:lstStyle>
+            <a:lvl1pPr algn="l" defTabSz="914400" rtl="0" eaLnBrk="1" latinLnBrk="0" hangingPunct="1">
+              <a:lnSpc>
+                <a:spcPct val="90000"/>
+              </a:lnSpc>
+              <a:spcBef>
+                <a:spcPct val="0"/>
+              </a:spcBef>
+              <a:buNone/>
+              <a:defRPr sz="3600" kern="1200" cap="all" baseline="0">
+                <a:solidFill>
+                  <a:schemeClr val="tx1"/>
+                </a:solidFill>
+                <a:latin typeface="+mj-lt"/>
+                <a:ea typeface="+mj-ea"/>
+                <a:cs typeface="+mj-cs"/>
+              </a:defRPr>
+            </a:lvl1pPr>
+          </a:lstStyle>
+          <a:p>
+            <a:r>
+              <a:rPr lang="en-US" dirty="0"/>
+              <a:t>MVC Architecture(Model View Controller)</a:t>
+            </a:r>
+            <a:endParaRPr lang="el-GR" dirty="0"/>
+          </a:p>
+        </p:txBody>
+      </p:sp>
+      <p:pic>
+        <p:nvPicPr>
+          <p:cNvPr id="14" name="Picture 13">
+            <a:extLst>
+              <a:ext uri="{FF2B5EF4-FFF2-40B4-BE49-F238E27FC236}">
+                <a16:creationId xmlns:a16="http://schemas.microsoft.com/office/drawing/2014/main" id="{8D35891A-0CBC-4DBF-A4A0-6344F0198E42}"/>
+              </a:ext>
+            </a:extLst>
+          </p:cNvPr>
+          <p:cNvPicPr>
+            <a:picLocks noChangeAspect="1"/>
+          </p:cNvPicPr>
+          <p:nvPr/>
+        </p:nvPicPr>
+        <p:blipFill>
+          <a:blip r:embed="rId2">
+            <a:extLst>
+              <a:ext uri="{28A0092B-C50C-407E-A947-70E740481C1C}">
+                <a14:useLocalDpi xmlns:a14="http://schemas.microsoft.com/office/drawing/2010/main" val="0"/>
+              </a:ext>
+            </a:extLst>
+          </a:blip>
+          <a:stretch>
+            <a:fillRect/>
+          </a:stretch>
+        </p:blipFill>
+        <p:spPr>
+          <a:xfrm>
+            <a:off x="3590445" y="1910116"/>
+            <a:ext cx="4875978" cy="3250652"/>
+          </a:xfrm>
+          <a:prstGeom prst="rect">
+            <a:avLst/>
+          </a:prstGeom>
+        </p:spPr>
+      </p:pic>
+    </p:spTree>
+    <p:extLst>
+      <p:ext uri="{BB962C8B-B14F-4D97-AF65-F5344CB8AC3E}">
+        <p14:creationId xmlns:p14="http://schemas.microsoft.com/office/powerpoint/2010/main" val="1861468602"/>
+      </p:ext>
+    </p:extLst>
+  </p:cSld>
+  <p:clrMapOvr>
+    <a:masterClrMapping/>
+  </p:clrMapOvr>
+</p:sld>
+</file>
+
+<file path=ppt/slides/slide3.xml><?xml version="1.0" encoding="utf-8"?>
 <p:sld xmlns:a="http://schemas.openxmlformats.org/drawingml/2006/main" xmlns:r="http://schemas.openxmlformats.org/officeDocument/2006/relationships" xmlns:p="http://schemas.openxmlformats.org/presentationml/2006/main">
   <p:cSld>
     <p:spTree>
@@ -12703,7 +12821,7 @@
         </p:nvSpPr>
         <p:spPr>
           <a:xfrm>
-            <a:off x="8584020" y="2120935"/>
+            <a:off x="8538902" y="883002"/>
             <a:ext cx="1263316" cy="697832"/>
           </a:xfrm>
           <a:prstGeom prst="flowChartAlternateProcess">
@@ -15067,56 +15185,14 @@
         </p:nvCxnSpPr>
         <p:spPr>
           <a:xfrm>
-            <a:off x="9086850" y="2838450"/>
-            <a:ext cx="0" cy="590550"/>
+            <a:off x="9086850" y="1587260"/>
+            <a:ext cx="0" cy="1841740"/>
           </a:xfrm>
           <a:prstGeom prst="straightConnector1">
             <a:avLst/>
           </a:prstGeom>
           <a:ln>
             <a:tailEnd type="triangle"/>
-          </a:ln>
-        </p:spPr>
-        <p:style>
-          <a:lnRef idx="1">
-            <a:schemeClr val="dk1"/>
-          </a:lnRef>
-          <a:fillRef idx="0">
-            <a:schemeClr val="dk1"/>
-          </a:fillRef>
-          <a:effectRef idx="0">
-            <a:schemeClr val="dk1"/>
-          </a:effectRef>
-          <a:fontRef idx="minor">
-            <a:schemeClr val="tx1"/>
-          </a:fontRef>
-        </p:style>
-      </p:cxnSp>
-      <p:cxnSp>
-        <p:nvCxnSpPr>
-          <p:cNvPr id="118" name="Straight Arrow Connector 117">
-            <a:extLst>
-              <a:ext uri="{FF2B5EF4-FFF2-40B4-BE49-F238E27FC236}">
-                <a16:creationId xmlns:a16="http://schemas.microsoft.com/office/drawing/2014/main" id="{40489B2E-7EDB-4A9B-8DB5-965A69DAB620}"/>
-              </a:ext>
-            </a:extLst>
-          </p:cNvPr>
-          <p:cNvCxnSpPr>
-            <a:cxnSpLocks/>
-          </p:cNvCxnSpPr>
-          <p:nvPr/>
-        </p:nvCxnSpPr>
-        <p:spPr>
-          <a:xfrm>
-            <a:off x="8886825" y="2838450"/>
-            <a:ext cx="0" cy="590550"/>
-          </a:xfrm>
-          <a:prstGeom prst="straightConnector1">
-            <a:avLst/>
-          </a:prstGeom>
-          <a:ln>
-            <a:headEnd type="triangle"/>
-            <a:tailEnd type="none"/>
           </a:ln>
         </p:spPr>
         <p:style>
@@ -15172,48 +15248,6 @@
       </p:cxnSp>
       <p:cxnSp>
         <p:nvCxnSpPr>
-          <p:cNvPr id="126" name="Straight Arrow Connector 125">
-            <a:extLst>
-              <a:ext uri="{FF2B5EF4-FFF2-40B4-BE49-F238E27FC236}">
-                <a16:creationId xmlns:a16="http://schemas.microsoft.com/office/drawing/2014/main" id="{569FE850-65B2-4A62-9481-FF5CDC371C7A}"/>
-              </a:ext>
-            </a:extLst>
-          </p:cNvPr>
-          <p:cNvCxnSpPr>
-            <a:cxnSpLocks/>
-          </p:cNvCxnSpPr>
-          <p:nvPr/>
-        </p:nvCxnSpPr>
-        <p:spPr>
-          <a:xfrm>
-            <a:off x="10253438" y="1908489"/>
-            <a:ext cx="13067" cy="1500828"/>
-          </a:xfrm>
-          <a:prstGeom prst="straightConnector1">
-            <a:avLst/>
-          </a:prstGeom>
-          <a:ln>
-            <a:headEnd type="triangle"/>
-            <a:tailEnd type="none"/>
-          </a:ln>
-        </p:spPr>
-        <p:style>
-          <a:lnRef idx="1">
-            <a:schemeClr val="dk1"/>
-          </a:lnRef>
-          <a:fillRef idx="0">
-            <a:schemeClr val="dk1"/>
-          </a:fillRef>
-          <a:effectRef idx="0">
-            <a:schemeClr val="dk1"/>
-          </a:effectRef>
-          <a:fontRef idx="minor">
-            <a:schemeClr val="tx1"/>
-          </a:fontRef>
-        </p:style>
-      </p:cxnSp>
-      <p:cxnSp>
-        <p:nvCxnSpPr>
           <p:cNvPr id="129" name="Straight Arrow Connector 128">
             <a:extLst>
               <a:ext uri="{FF2B5EF4-FFF2-40B4-BE49-F238E27FC236}">
@@ -15228,7 +15262,7 @@
         </p:nvCxnSpPr>
         <p:spPr>
           <a:xfrm>
-            <a:off x="10411029" y="1908489"/>
+            <a:off x="10865143" y="1908489"/>
             <a:ext cx="13067" cy="1500828"/>
           </a:xfrm>
           <a:prstGeom prst="straightConnector1">
@@ -15237,48 +15271,6 @@
           <a:ln>
             <a:headEnd type="none"/>
             <a:tailEnd type="triangle"/>
-          </a:ln>
-        </p:spPr>
-        <p:style>
-          <a:lnRef idx="1">
-            <a:schemeClr val="dk1"/>
-          </a:lnRef>
-          <a:fillRef idx="0">
-            <a:schemeClr val="dk1"/>
-          </a:fillRef>
-          <a:effectRef idx="0">
-            <a:schemeClr val="dk1"/>
-          </a:effectRef>
-          <a:fontRef idx="minor">
-            <a:schemeClr val="tx1"/>
-          </a:fontRef>
-        </p:style>
-      </p:cxnSp>
-      <p:cxnSp>
-        <p:nvCxnSpPr>
-          <p:cNvPr id="130" name="Straight Arrow Connector 129">
-            <a:extLst>
-              <a:ext uri="{FF2B5EF4-FFF2-40B4-BE49-F238E27FC236}">
-                <a16:creationId xmlns:a16="http://schemas.microsoft.com/office/drawing/2014/main" id="{2EDA9036-76F6-4308-97B8-3ED365B39455}"/>
-              </a:ext>
-            </a:extLst>
-          </p:cNvPr>
-          <p:cNvCxnSpPr>
-            <a:cxnSpLocks/>
-          </p:cNvCxnSpPr>
-          <p:nvPr/>
-        </p:nvCxnSpPr>
-        <p:spPr>
-          <a:xfrm>
-            <a:off x="7074723" y="1918106"/>
-            <a:ext cx="13067" cy="1500828"/>
-          </a:xfrm>
-          <a:prstGeom prst="straightConnector1">
-            <a:avLst/>
-          </a:prstGeom>
-          <a:ln>
-            <a:headEnd type="triangle"/>
-            <a:tailEnd type="none"/>
           </a:ln>
         </p:spPr>
         <p:style>
@@ -15321,48 +15313,6 @@
           <a:ln>
             <a:headEnd type="none"/>
             <a:tailEnd type="triangle"/>
-          </a:ln>
-        </p:spPr>
-        <p:style>
-          <a:lnRef idx="1">
-            <a:schemeClr val="dk1"/>
-          </a:lnRef>
-          <a:fillRef idx="0">
-            <a:schemeClr val="dk1"/>
-          </a:fillRef>
-          <a:effectRef idx="0">
-            <a:schemeClr val="dk1"/>
-          </a:effectRef>
-          <a:fontRef idx="minor">
-            <a:schemeClr val="tx1"/>
-          </a:fontRef>
-        </p:style>
-      </p:cxnSp>
-      <p:cxnSp>
-        <p:nvCxnSpPr>
-          <p:cNvPr id="132" name="Straight Arrow Connector 131">
-            <a:extLst>
-              <a:ext uri="{FF2B5EF4-FFF2-40B4-BE49-F238E27FC236}">
-                <a16:creationId xmlns:a16="http://schemas.microsoft.com/office/drawing/2014/main" id="{610CC801-A439-40B7-89E7-43715BE81DBA}"/>
-              </a:ext>
-            </a:extLst>
-          </p:cNvPr>
-          <p:cNvCxnSpPr>
-            <a:cxnSpLocks/>
-          </p:cNvCxnSpPr>
-          <p:nvPr/>
-        </p:nvCxnSpPr>
-        <p:spPr>
-          <a:xfrm>
-            <a:off x="5004560" y="1918106"/>
-            <a:ext cx="13067" cy="1500828"/>
-          </a:xfrm>
-          <a:prstGeom prst="straightConnector1">
-            <a:avLst/>
-          </a:prstGeom>
-          <a:ln>
-            <a:headEnd type="triangle"/>
-            <a:tailEnd type="none"/>
           </a:ln>
         </p:spPr>
         <p:style>
@@ -15437,9 +15387,9 @@
           <p:nvPr/>
         </p:nvCxnSpPr>
         <p:spPr>
-          <a:xfrm>
-            <a:off x="3347334" y="1935690"/>
-            <a:ext cx="13067" cy="1500828"/>
+          <a:xfrm flipH="1">
+            <a:off x="3062835" y="2802545"/>
+            <a:ext cx="8270" cy="616389"/>
           </a:xfrm>
           <a:prstGeom prst="straightConnector1">
             <a:avLst/>
@@ -16270,10 +16220,594 @@
           </a:p>
         </p:txBody>
       </p:sp>
+      <p:sp>
+        <p:nvSpPr>
+          <p:cNvPr id="3" name="Flowchart: Process 2">
+            <a:extLst>
+              <a:ext uri="{FF2B5EF4-FFF2-40B4-BE49-F238E27FC236}">
+                <a16:creationId xmlns:a16="http://schemas.microsoft.com/office/drawing/2014/main" id="{126C76A2-6EF4-4CB0-9AFD-37AAC6E257C4}"/>
+              </a:ext>
+            </a:extLst>
+          </p:cNvPr>
+          <p:cNvSpPr/>
+          <p:nvPr/>
+        </p:nvSpPr>
+        <p:spPr>
+          <a:xfrm>
+            <a:off x="2561993" y="2418317"/>
+            <a:ext cx="918012" cy="384228"/>
+          </a:xfrm>
+          <a:prstGeom prst="flowChartProcess">
+            <a:avLst/>
+          </a:prstGeom>
+          <a:ln>
+            <a:noFill/>
+          </a:ln>
+        </p:spPr>
+        <p:style>
+          <a:lnRef idx="3">
+            <a:schemeClr val="lt1"/>
+          </a:lnRef>
+          <a:fillRef idx="1">
+            <a:schemeClr val="accent2"/>
+          </a:fillRef>
+          <a:effectRef idx="1">
+            <a:schemeClr val="accent2"/>
+          </a:effectRef>
+          <a:fontRef idx="minor">
+            <a:schemeClr val="lt1"/>
+          </a:fontRef>
+        </p:style>
+        <p:txBody>
+          <a:bodyPr rtlCol="0" anchor="ctr"/>
+          <a:lstStyle/>
+          <a:p>
+            <a:pPr algn="ctr"/>
+            <a:r>
+              <a:rPr lang="en-US" sz="1000" dirty="0"/>
+              <a:t>View (JSP Pages)</a:t>
+            </a:r>
+            <a:endParaRPr lang="el-GR" sz="1200" dirty="0"/>
+          </a:p>
+        </p:txBody>
+      </p:sp>
+      <p:cxnSp>
+        <p:nvCxnSpPr>
+          <p:cNvPr id="95" name="Straight Arrow Connector 94">
+            <a:extLst>
+              <a:ext uri="{FF2B5EF4-FFF2-40B4-BE49-F238E27FC236}">
+                <a16:creationId xmlns:a16="http://schemas.microsoft.com/office/drawing/2014/main" id="{603EE81C-2894-4340-888C-FFC8A2EEC2A9}"/>
+              </a:ext>
+            </a:extLst>
+          </p:cNvPr>
+          <p:cNvCxnSpPr>
+            <a:cxnSpLocks/>
+          </p:cNvCxnSpPr>
+          <p:nvPr/>
+        </p:nvCxnSpPr>
+        <p:spPr>
+          <a:xfrm>
+            <a:off x="3062835" y="1904754"/>
+            <a:ext cx="8270" cy="539946"/>
+          </a:xfrm>
+          <a:prstGeom prst="straightConnector1">
+            <a:avLst/>
+          </a:prstGeom>
+          <a:ln>
+            <a:headEnd type="triangle"/>
+            <a:tailEnd type="none"/>
+          </a:ln>
+        </p:spPr>
+        <p:style>
+          <a:lnRef idx="1">
+            <a:schemeClr val="dk1"/>
+          </a:lnRef>
+          <a:fillRef idx="0">
+            <a:schemeClr val="dk1"/>
+          </a:fillRef>
+          <a:effectRef idx="0">
+            <a:schemeClr val="dk1"/>
+          </a:effectRef>
+          <a:fontRef idx="minor">
+            <a:schemeClr val="tx1"/>
+          </a:fontRef>
+        </p:style>
+      </p:cxnSp>
+      <p:cxnSp>
+        <p:nvCxnSpPr>
+          <p:cNvPr id="108" name="Straight Arrow Connector 107">
+            <a:extLst>
+              <a:ext uri="{FF2B5EF4-FFF2-40B4-BE49-F238E27FC236}">
+                <a16:creationId xmlns:a16="http://schemas.microsoft.com/office/drawing/2014/main" id="{61CFDB5A-B734-432A-A38E-6F2EE81938C2}"/>
+              </a:ext>
+            </a:extLst>
+          </p:cNvPr>
+          <p:cNvCxnSpPr>
+            <a:cxnSpLocks/>
+          </p:cNvCxnSpPr>
+          <p:nvPr/>
+        </p:nvCxnSpPr>
+        <p:spPr>
+          <a:xfrm flipH="1">
+            <a:off x="4587939" y="2810288"/>
+            <a:ext cx="8270" cy="616389"/>
+          </a:xfrm>
+          <a:prstGeom prst="straightConnector1">
+            <a:avLst/>
+          </a:prstGeom>
+          <a:ln>
+            <a:headEnd type="triangle"/>
+            <a:tailEnd type="none"/>
+          </a:ln>
+        </p:spPr>
+        <p:style>
+          <a:lnRef idx="1">
+            <a:schemeClr val="dk1"/>
+          </a:lnRef>
+          <a:fillRef idx="0">
+            <a:schemeClr val="dk1"/>
+          </a:fillRef>
+          <a:effectRef idx="0">
+            <a:schemeClr val="dk1"/>
+          </a:effectRef>
+          <a:fontRef idx="minor">
+            <a:schemeClr val="tx1"/>
+          </a:fontRef>
+        </p:style>
+      </p:cxnSp>
+      <p:sp>
+        <p:nvSpPr>
+          <p:cNvPr id="109" name="Flowchart: Process 108">
+            <a:extLst>
+              <a:ext uri="{FF2B5EF4-FFF2-40B4-BE49-F238E27FC236}">
+                <a16:creationId xmlns:a16="http://schemas.microsoft.com/office/drawing/2014/main" id="{26FE3084-7DBB-48FF-95F7-E88C7804BB84}"/>
+              </a:ext>
+            </a:extLst>
+          </p:cNvPr>
+          <p:cNvSpPr/>
+          <p:nvPr/>
+        </p:nvSpPr>
+        <p:spPr>
+          <a:xfrm>
+            <a:off x="4087097" y="2426060"/>
+            <a:ext cx="918012" cy="384228"/>
+          </a:xfrm>
+          <a:prstGeom prst="flowChartProcess">
+            <a:avLst/>
+          </a:prstGeom>
+          <a:ln>
+            <a:noFill/>
+          </a:ln>
+        </p:spPr>
+        <p:style>
+          <a:lnRef idx="3">
+            <a:schemeClr val="lt1"/>
+          </a:lnRef>
+          <a:fillRef idx="1">
+            <a:schemeClr val="accent2"/>
+          </a:fillRef>
+          <a:effectRef idx="1">
+            <a:schemeClr val="accent2"/>
+          </a:effectRef>
+          <a:fontRef idx="minor">
+            <a:schemeClr val="lt1"/>
+          </a:fontRef>
+        </p:style>
+        <p:txBody>
+          <a:bodyPr rtlCol="0" anchor="ctr"/>
+          <a:lstStyle/>
+          <a:p>
+            <a:pPr algn="ctr"/>
+            <a:r>
+              <a:rPr lang="en-US" sz="1000" dirty="0"/>
+              <a:t>View (JSP Pages)</a:t>
+            </a:r>
+            <a:endParaRPr lang="el-GR" sz="1200" dirty="0"/>
+          </a:p>
+        </p:txBody>
+      </p:sp>
+      <p:cxnSp>
+        <p:nvCxnSpPr>
+          <p:cNvPr id="110" name="Straight Arrow Connector 109">
+            <a:extLst>
+              <a:ext uri="{FF2B5EF4-FFF2-40B4-BE49-F238E27FC236}">
+                <a16:creationId xmlns:a16="http://schemas.microsoft.com/office/drawing/2014/main" id="{07A8485B-E6EA-4897-9E13-D1C403291611}"/>
+              </a:ext>
+            </a:extLst>
+          </p:cNvPr>
+          <p:cNvCxnSpPr>
+            <a:cxnSpLocks/>
+          </p:cNvCxnSpPr>
+          <p:nvPr/>
+        </p:nvCxnSpPr>
+        <p:spPr>
+          <a:xfrm>
+            <a:off x="4587939" y="1912497"/>
+            <a:ext cx="8270" cy="539946"/>
+          </a:xfrm>
+          <a:prstGeom prst="straightConnector1">
+            <a:avLst/>
+          </a:prstGeom>
+          <a:ln>
+            <a:headEnd type="triangle"/>
+            <a:tailEnd type="none"/>
+          </a:ln>
+        </p:spPr>
+        <p:style>
+          <a:lnRef idx="1">
+            <a:schemeClr val="dk1"/>
+          </a:lnRef>
+          <a:fillRef idx="0">
+            <a:schemeClr val="dk1"/>
+          </a:fillRef>
+          <a:effectRef idx="0">
+            <a:schemeClr val="dk1"/>
+          </a:effectRef>
+          <a:fontRef idx="minor">
+            <a:schemeClr val="tx1"/>
+          </a:fontRef>
+        </p:style>
+      </p:cxnSp>
+      <p:cxnSp>
+        <p:nvCxnSpPr>
+          <p:cNvPr id="112" name="Straight Arrow Connector 111">
+            <a:extLst>
+              <a:ext uri="{FF2B5EF4-FFF2-40B4-BE49-F238E27FC236}">
+                <a16:creationId xmlns:a16="http://schemas.microsoft.com/office/drawing/2014/main" id="{F13368E0-ED3E-466A-BFA3-BC2F3C9DA779}"/>
+              </a:ext>
+            </a:extLst>
+          </p:cNvPr>
+          <p:cNvCxnSpPr>
+            <a:cxnSpLocks/>
+          </p:cNvCxnSpPr>
+          <p:nvPr/>
+        </p:nvCxnSpPr>
+        <p:spPr>
+          <a:xfrm flipH="1">
+            <a:off x="8521483" y="2810532"/>
+            <a:ext cx="8270" cy="616389"/>
+          </a:xfrm>
+          <a:prstGeom prst="straightConnector1">
+            <a:avLst/>
+          </a:prstGeom>
+          <a:ln>
+            <a:headEnd type="triangle"/>
+            <a:tailEnd type="none"/>
+          </a:ln>
+        </p:spPr>
+        <p:style>
+          <a:lnRef idx="1">
+            <a:schemeClr val="dk1"/>
+          </a:lnRef>
+          <a:fillRef idx="0">
+            <a:schemeClr val="dk1"/>
+          </a:fillRef>
+          <a:effectRef idx="0">
+            <a:schemeClr val="dk1"/>
+          </a:effectRef>
+          <a:fontRef idx="minor">
+            <a:schemeClr val="tx1"/>
+          </a:fontRef>
+        </p:style>
+      </p:cxnSp>
+      <p:sp>
+        <p:nvSpPr>
+          <p:cNvPr id="114" name="Flowchart: Process 113">
+            <a:extLst>
+              <a:ext uri="{FF2B5EF4-FFF2-40B4-BE49-F238E27FC236}">
+                <a16:creationId xmlns:a16="http://schemas.microsoft.com/office/drawing/2014/main" id="{159236EA-6BC3-4323-8BD8-E0062F62FB33}"/>
+              </a:ext>
+            </a:extLst>
+          </p:cNvPr>
+          <p:cNvSpPr/>
+          <p:nvPr/>
+        </p:nvSpPr>
+        <p:spPr>
+          <a:xfrm>
+            <a:off x="8020641" y="2426304"/>
+            <a:ext cx="918012" cy="384228"/>
+          </a:xfrm>
+          <a:prstGeom prst="flowChartProcess">
+            <a:avLst/>
+          </a:prstGeom>
+          <a:ln>
+            <a:noFill/>
+          </a:ln>
+        </p:spPr>
+        <p:style>
+          <a:lnRef idx="3">
+            <a:schemeClr val="lt1"/>
+          </a:lnRef>
+          <a:fillRef idx="1">
+            <a:schemeClr val="accent2"/>
+          </a:fillRef>
+          <a:effectRef idx="1">
+            <a:schemeClr val="accent2"/>
+          </a:effectRef>
+          <a:fontRef idx="minor">
+            <a:schemeClr val="lt1"/>
+          </a:fontRef>
+        </p:style>
+        <p:txBody>
+          <a:bodyPr rtlCol="0" anchor="ctr"/>
+          <a:lstStyle/>
+          <a:p>
+            <a:pPr algn="ctr"/>
+            <a:r>
+              <a:rPr lang="en-US" sz="1000" dirty="0"/>
+              <a:t>View (JSP Pages)</a:t>
+            </a:r>
+            <a:endParaRPr lang="el-GR" sz="1200" dirty="0"/>
+          </a:p>
+        </p:txBody>
+      </p:sp>
+      <p:cxnSp>
+        <p:nvCxnSpPr>
+          <p:cNvPr id="116" name="Straight Arrow Connector 115">
+            <a:extLst>
+              <a:ext uri="{FF2B5EF4-FFF2-40B4-BE49-F238E27FC236}">
+                <a16:creationId xmlns:a16="http://schemas.microsoft.com/office/drawing/2014/main" id="{3FB3BC3B-9A07-4ABC-8C8B-C7011968FC55}"/>
+              </a:ext>
+            </a:extLst>
+          </p:cNvPr>
+          <p:cNvCxnSpPr>
+            <a:cxnSpLocks/>
+          </p:cNvCxnSpPr>
+          <p:nvPr/>
+        </p:nvCxnSpPr>
+        <p:spPr>
+          <a:xfrm>
+            <a:off x="8521483" y="1912741"/>
+            <a:ext cx="8270" cy="539946"/>
+          </a:xfrm>
+          <a:prstGeom prst="straightConnector1">
+            <a:avLst/>
+          </a:prstGeom>
+          <a:ln>
+            <a:headEnd type="triangle"/>
+            <a:tailEnd type="none"/>
+          </a:ln>
+        </p:spPr>
+        <p:style>
+          <a:lnRef idx="1">
+            <a:schemeClr val="dk1"/>
+          </a:lnRef>
+          <a:fillRef idx="0">
+            <a:schemeClr val="dk1"/>
+          </a:fillRef>
+          <a:effectRef idx="0">
+            <a:schemeClr val="dk1"/>
+          </a:effectRef>
+          <a:fontRef idx="minor">
+            <a:schemeClr val="tx1"/>
+          </a:fontRef>
+        </p:style>
+      </p:cxnSp>
+      <p:cxnSp>
+        <p:nvCxnSpPr>
+          <p:cNvPr id="119" name="Straight Arrow Connector 118">
+            <a:extLst>
+              <a:ext uri="{FF2B5EF4-FFF2-40B4-BE49-F238E27FC236}">
+                <a16:creationId xmlns:a16="http://schemas.microsoft.com/office/drawing/2014/main" id="{B44D547F-0CC8-44DA-96C3-4280A67D609C}"/>
+              </a:ext>
+            </a:extLst>
+          </p:cNvPr>
+          <p:cNvCxnSpPr>
+            <a:cxnSpLocks/>
+          </p:cNvCxnSpPr>
+          <p:nvPr/>
+        </p:nvCxnSpPr>
+        <p:spPr>
+          <a:xfrm flipH="1">
+            <a:off x="10256591" y="2786171"/>
+            <a:ext cx="8270" cy="616389"/>
+          </a:xfrm>
+          <a:prstGeom prst="straightConnector1">
+            <a:avLst/>
+          </a:prstGeom>
+          <a:ln>
+            <a:headEnd type="triangle"/>
+            <a:tailEnd type="none"/>
+          </a:ln>
+        </p:spPr>
+        <p:style>
+          <a:lnRef idx="1">
+            <a:schemeClr val="dk1"/>
+          </a:lnRef>
+          <a:fillRef idx="0">
+            <a:schemeClr val="dk1"/>
+          </a:fillRef>
+          <a:effectRef idx="0">
+            <a:schemeClr val="dk1"/>
+          </a:effectRef>
+          <a:fontRef idx="minor">
+            <a:schemeClr val="tx1"/>
+          </a:fontRef>
+        </p:style>
+      </p:cxnSp>
+      <p:sp>
+        <p:nvSpPr>
+          <p:cNvPr id="121" name="Flowchart: Process 120">
+            <a:extLst>
+              <a:ext uri="{FF2B5EF4-FFF2-40B4-BE49-F238E27FC236}">
+                <a16:creationId xmlns:a16="http://schemas.microsoft.com/office/drawing/2014/main" id="{F83BBB03-13BD-4589-B7E2-C99C4C968AC6}"/>
+              </a:ext>
+            </a:extLst>
+          </p:cNvPr>
+          <p:cNvSpPr/>
+          <p:nvPr/>
+        </p:nvSpPr>
+        <p:spPr>
+          <a:xfrm>
+            <a:off x="9755749" y="2401943"/>
+            <a:ext cx="918012" cy="384228"/>
+          </a:xfrm>
+          <a:prstGeom prst="flowChartProcess">
+            <a:avLst/>
+          </a:prstGeom>
+          <a:ln>
+            <a:noFill/>
+          </a:ln>
+        </p:spPr>
+        <p:style>
+          <a:lnRef idx="3">
+            <a:schemeClr val="lt1"/>
+          </a:lnRef>
+          <a:fillRef idx="1">
+            <a:schemeClr val="accent2"/>
+          </a:fillRef>
+          <a:effectRef idx="1">
+            <a:schemeClr val="accent2"/>
+          </a:effectRef>
+          <a:fontRef idx="minor">
+            <a:schemeClr val="lt1"/>
+          </a:fontRef>
+        </p:style>
+        <p:txBody>
+          <a:bodyPr rtlCol="0" anchor="ctr"/>
+          <a:lstStyle/>
+          <a:p>
+            <a:pPr algn="ctr"/>
+            <a:r>
+              <a:rPr lang="en-US" sz="1000" dirty="0"/>
+              <a:t>View (JSP Pages)</a:t>
+            </a:r>
+            <a:endParaRPr lang="el-GR" sz="1200" dirty="0"/>
+          </a:p>
+        </p:txBody>
+      </p:sp>
+      <p:cxnSp>
+        <p:nvCxnSpPr>
+          <p:cNvPr id="122" name="Straight Arrow Connector 121">
+            <a:extLst>
+              <a:ext uri="{FF2B5EF4-FFF2-40B4-BE49-F238E27FC236}">
+                <a16:creationId xmlns:a16="http://schemas.microsoft.com/office/drawing/2014/main" id="{BE93D420-40C0-4D47-AA04-BDF1C2B5FAF6}"/>
+              </a:ext>
+            </a:extLst>
+          </p:cNvPr>
+          <p:cNvCxnSpPr>
+            <a:cxnSpLocks/>
+          </p:cNvCxnSpPr>
+          <p:nvPr/>
+        </p:nvCxnSpPr>
+        <p:spPr>
+          <a:xfrm>
+            <a:off x="10256591" y="1888380"/>
+            <a:ext cx="8270" cy="539946"/>
+          </a:xfrm>
+          <a:prstGeom prst="straightConnector1">
+            <a:avLst/>
+          </a:prstGeom>
+          <a:ln>
+            <a:headEnd type="triangle"/>
+            <a:tailEnd type="none"/>
+          </a:ln>
+        </p:spPr>
+        <p:style>
+          <a:lnRef idx="1">
+            <a:schemeClr val="dk1"/>
+          </a:lnRef>
+          <a:fillRef idx="0">
+            <a:schemeClr val="dk1"/>
+          </a:fillRef>
+          <a:effectRef idx="0">
+            <a:schemeClr val="dk1"/>
+          </a:effectRef>
+          <a:fontRef idx="minor">
+            <a:schemeClr val="tx1"/>
+          </a:fontRef>
+        </p:style>
+      </p:cxnSp>
+      <p:cxnSp>
+        <p:nvCxnSpPr>
+          <p:cNvPr id="123" name="Straight Arrow Connector 122">
+            <a:extLst>
+              <a:ext uri="{FF2B5EF4-FFF2-40B4-BE49-F238E27FC236}">
+                <a16:creationId xmlns:a16="http://schemas.microsoft.com/office/drawing/2014/main" id="{C7E24CA8-86C6-4B29-91CB-F03F408D1C3D}"/>
+              </a:ext>
+            </a:extLst>
+          </p:cNvPr>
+          <p:cNvCxnSpPr>
+            <a:cxnSpLocks/>
+          </p:cNvCxnSpPr>
+          <p:nvPr/>
+        </p:nvCxnSpPr>
+        <p:spPr>
+          <a:xfrm>
+            <a:off x="9263313" y="1594778"/>
+            <a:ext cx="0" cy="1841740"/>
+          </a:xfrm>
+          <a:prstGeom prst="straightConnector1">
+            <a:avLst/>
+          </a:prstGeom>
+          <a:ln>
+            <a:headEnd type="triangle"/>
+            <a:tailEnd type="none"/>
+          </a:ln>
+        </p:spPr>
+        <p:style>
+          <a:lnRef idx="1">
+            <a:schemeClr val="dk1"/>
+          </a:lnRef>
+          <a:fillRef idx="0">
+            <a:schemeClr val="dk1"/>
+          </a:fillRef>
+          <a:effectRef idx="0">
+            <a:schemeClr val="dk1"/>
+          </a:effectRef>
+          <a:fontRef idx="minor">
+            <a:schemeClr val="tx1"/>
+          </a:fontRef>
+        </p:style>
+      </p:cxnSp>
+      <p:sp>
+        <p:nvSpPr>
+          <p:cNvPr id="124" name="TextBox 123">
+            <a:extLst>
+              <a:ext uri="{FF2B5EF4-FFF2-40B4-BE49-F238E27FC236}">
+                <a16:creationId xmlns:a16="http://schemas.microsoft.com/office/drawing/2014/main" id="{8F949646-C73B-493E-B5F4-31032AA8E51E}"/>
+              </a:ext>
+            </a:extLst>
+          </p:cNvPr>
+          <p:cNvSpPr txBox="1"/>
+          <p:nvPr/>
+        </p:nvSpPr>
+        <p:spPr>
+          <a:xfrm>
+            <a:off x="343432" y="2386486"/>
+            <a:ext cx="6106332" cy="369332"/>
+          </a:xfrm>
+          <a:prstGeom prst="rect">
+            <a:avLst/>
+          </a:prstGeom>
+          <a:noFill/>
+        </p:spPr>
+        <p:txBody>
+          <a:bodyPr wrap="square">
+            <a:spAutoFit/>
+          </a:bodyPr>
+          <a:lstStyle/>
+          <a:p>
+            <a:r>
+              <a:rPr lang="en-US" dirty="0">
+                <a:solidFill>
+                  <a:schemeClr val="bg1"/>
+                </a:solidFill>
+              </a:rPr>
+              <a:t>View Layer</a:t>
+            </a:r>
+            <a:endParaRPr lang="el-GR" dirty="0">
+              <a:solidFill>
+                <a:schemeClr val="bg1"/>
+              </a:solidFill>
+            </a:endParaRPr>
+          </a:p>
+        </p:txBody>
+      </p:sp>
     </p:spTree>
     <p:extLst>
       <p:ext uri="{BB962C8B-B14F-4D97-AF65-F5344CB8AC3E}">
-        <p14:creationId xmlns:p14="http://schemas.microsoft.com/office/powerpoint/2010/main" val="1861468602"/>
+        <p14:creationId xmlns:p14="http://schemas.microsoft.com/office/powerpoint/2010/main" val="922748370"/>
       </p:ext>
     </p:extLst>
   </p:cSld>
@@ -16283,7 +16817,7 @@
 </p:sld>
 </file>
 
-<file path=ppt/slides/slide3.xml><?xml version="1.0" encoding="utf-8"?>
+<file path=ppt/slides/slide4.xml><?xml version="1.0" encoding="utf-8"?>
 <p:sld xmlns:a="http://schemas.openxmlformats.org/drawingml/2006/main" xmlns:r="http://schemas.openxmlformats.org/officeDocument/2006/relationships" xmlns:p="http://schemas.openxmlformats.org/presentationml/2006/main">
   <p:cSld>
     <p:spTree>
@@ -17453,7 +17987,7 @@
 </p:sld>
 </file>
 
-<file path=ppt/slides/slide4.xml><?xml version="1.0" encoding="utf-8"?>
+<file path=ppt/slides/slide5.xml><?xml version="1.0" encoding="utf-8"?>
 <p:sld xmlns:a="http://schemas.openxmlformats.org/drawingml/2006/main" xmlns:r="http://schemas.openxmlformats.org/officeDocument/2006/relationships" xmlns:p="http://schemas.openxmlformats.org/presentationml/2006/main">
   <p:cSld>
     <p:spTree>
